--- a/2022-2023/Vatera fegyverbolt.pptx
+++ b/2022-2023/Vatera fegyverbolt.pptx
@@ -5,15 +5,16 @@
     <p:sldMasterId id="2147483648" r:id="rId1"/>
   </p:sldMasterIdLst>
   <p:notesMasterIdLst>
-    <p:notesMasterId r:id="rId5"/>
+    <p:notesMasterId r:id="rId6"/>
   </p:notesMasterIdLst>
   <p:handoutMasterIdLst>
-    <p:handoutMasterId r:id="rId6"/>
+    <p:handoutMasterId r:id="rId7"/>
   </p:handoutMasterIdLst>
   <p:sldIdLst>
     <p:sldId id="256" r:id="rId2"/>
     <p:sldId id="257" r:id="rId3"/>
     <p:sldId id="258" r:id="rId4"/>
+    <p:sldId id="259" r:id="rId5"/>
   </p:sldIdLst>
   <p:sldSz cx="9144000" cy="6858000" type="screen4x3"/>
   <p:notesSz cx="6858000" cy="9144000"/>
@@ -904,6 +905,18 @@
   <p:clrMapOvr>
     <a:masterClrMapping/>
   </p:clrMapOvr>
+  <mc:AlternateContent xmlns:mc="http://schemas.openxmlformats.org/markup-compatibility/2006" xmlns:p159="http://schemas.microsoft.com/office/powerpoint/2015/09/main">
+    <mc:Choice Requires="p159">
+      <p:transition xmlns:p14="http://schemas.microsoft.com/office/powerpoint/2010/main" spd="slow" p14:dur="4000">
+        <p159:morph option="byObject"/>
+      </p:transition>
+    </mc:Choice>
+    <mc:Fallback xmlns="">
+      <p:transition spd="slow">
+        <p:fade/>
+      </p:transition>
+    </mc:Fallback>
+  </mc:AlternateContent>
 </p:sldLayout>
 </file>
 
@@ -1004,6 +1017,18 @@
   <p:clrMapOvr>
     <a:masterClrMapping/>
   </p:clrMapOvr>
+  <mc:AlternateContent xmlns:mc="http://schemas.openxmlformats.org/markup-compatibility/2006" xmlns:p159="http://schemas.microsoft.com/office/powerpoint/2015/09/main">
+    <mc:Choice Requires="p159">
+      <p:transition xmlns:p14="http://schemas.microsoft.com/office/powerpoint/2010/main" spd="slow" p14:dur="4000">
+        <p159:morph option="byObject"/>
+      </p:transition>
+    </mc:Choice>
+    <mc:Fallback xmlns="">
+      <p:transition spd="slow">
+        <p:fade/>
+      </p:transition>
+    </mc:Fallback>
+  </mc:AlternateContent>
 </p:sldLayout>
 </file>
 
@@ -1114,6 +1139,18 @@
   <p:clrMapOvr>
     <a:masterClrMapping/>
   </p:clrMapOvr>
+  <mc:AlternateContent xmlns:mc="http://schemas.openxmlformats.org/markup-compatibility/2006" xmlns:p159="http://schemas.microsoft.com/office/powerpoint/2015/09/main">
+    <mc:Choice Requires="p159">
+      <p:transition xmlns:p14="http://schemas.microsoft.com/office/powerpoint/2010/main" spd="slow" p14:dur="4000">
+        <p159:morph option="byObject"/>
+      </p:transition>
+    </mc:Choice>
+    <mc:Fallback xmlns="">
+      <p:transition spd="slow">
+        <p:fade/>
+      </p:transition>
+    </mc:Fallback>
+  </mc:AlternateContent>
 </p:sldLayout>
 </file>
 
@@ -1214,6 +1251,18 @@
   <p:clrMapOvr>
     <a:masterClrMapping/>
   </p:clrMapOvr>
+  <mc:AlternateContent xmlns:mc="http://schemas.openxmlformats.org/markup-compatibility/2006" xmlns:p159="http://schemas.microsoft.com/office/powerpoint/2015/09/main">
+    <mc:Choice Requires="p159">
+      <p:transition xmlns:p14="http://schemas.microsoft.com/office/powerpoint/2010/main" spd="slow" p14:dur="4000">
+        <p159:morph option="byObject"/>
+      </p:transition>
+    </mc:Choice>
+    <mc:Fallback xmlns="">
+      <p:transition spd="slow">
+        <p:fade/>
+      </p:transition>
+    </mc:Fallback>
+  </mc:AlternateContent>
 </p:sldLayout>
 </file>
 
@@ -1336,6 +1385,18 @@
   <p:clrMapOvr>
     <a:masterClrMapping/>
   </p:clrMapOvr>
+  <mc:AlternateContent xmlns:mc="http://schemas.openxmlformats.org/markup-compatibility/2006" xmlns:p159="http://schemas.microsoft.com/office/powerpoint/2015/09/main">
+    <mc:Choice Requires="p159">
+      <p:transition xmlns:p14="http://schemas.microsoft.com/office/powerpoint/2010/main" spd="slow" p14:dur="4000">
+        <p159:morph option="byObject"/>
+      </p:transition>
+    </mc:Choice>
+    <mc:Fallback xmlns="">
+      <p:transition spd="slow">
+        <p:fade/>
+      </p:transition>
+    </mc:Fallback>
+  </mc:AlternateContent>
 </p:sldLayout>
 </file>
 
@@ -1554,6 +1615,18 @@
   <p:clrMapOvr>
     <a:masterClrMapping/>
   </p:clrMapOvr>
+  <mc:AlternateContent xmlns:mc="http://schemas.openxmlformats.org/markup-compatibility/2006" xmlns:p159="http://schemas.microsoft.com/office/powerpoint/2015/09/main">
+    <mc:Choice Requires="p159">
+      <p:transition xmlns:p14="http://schemas.microsoft.com/office/powerpoint/2010/main" spd="slow" p14:dur="4000">
+        <p159:morph option="byObject"/>
+      </p:transition>
+    </mc:Choice>
+    <mc:Fallback xmlns="">
+      <p:transition spd="slow">
+        <p:fade/>
+      </p:transition>
+    </mc:Fallback>
+  </mc:AlternateContent>
 </p:sldLayout>
 </file>
 
@@ -1911,6 +1984,18 @@
   <p:clrMapOvr>
     <a:masterClrMapping/>
   </p:clrMapOvr>
+  <mc:AlternateContent xmlns:mc="http://schemas.openxmlformats.org/markup-compatibility/2006" xmlns:p159="http://schemas.microsoft.com/office/powerpoint/2015/09/main">
+    <mc:Choice Requires="p159">
+      <p:transition xmlns:p14="http://schemas.microsoft.com/office/powerpoint/2010/main" spd="slow" p14:dur="4000">
+        <p159:morph option="byObject"/>
+      </p:transition>
+    </mc:Choice>
+    <mc:Fallback xmlns="">
+      <p:transition spd="slow">
+        <p:fade/>
+      </p:transition>
+    </mc:Fallback>
+  </mc:AlternateContent>
 </p:sldLayout>
 </file>
 
@@ -1959,6 +2044,18 @@
   <p:clrMapOvr>
     <a:masterClrMapping/>
   </p:clrMapOvr>
+  <mc:AlternateContent xmlns:mc="http://schemas.openxmlformats.org/markup-compatibility/2006" xmlns:p159="http://schemas.microsoft.com/office/powerpoint/2015/09/main">
+    <mc:Choice Requires="p159">
+      <p:transition xmlns:p14="http://schemas.microsoft.com/office/powerpoint/2010/main" spd="slow" p14:dur="4000">
+        <p159:morph option="byObject"/>
+      </p:transition>
+    </mc:Choice>
+    <mc:Fallback xmlns="">
+      <p:transition spd="slow">
+        <p:fade/>
+      </p:transition>
+    </mc:Fallback>
+  </mc:AlternateContent>
 </p:sldLayout>
 </file>
 
@@ -1984,6 +2081,18 @@
   <p:clrMapOvr>
     <a:masterClrMapping/>
   </p:clrMapOvr>
+  <mc:AlternateContent xmlns:mc="http://schemas.openxmlformats.org/markup-compatibility/2006" xmlns:p159="http://schemas.microsoft.com/office/powerpoint/2015/09/main">
+    <mc:Choice Requires="p159">
+      <p:transition xmlns:p14="http://schemas.microsoft.com/office/powerpoint/2010/main" spd="slow" p14:dur="4000">
+        <p159:morph option="byObject"/>
+      </p:transition>
+    </mc:Choice>
+    <mc:Fallback xmlns="">
+      <p:transition spd="slow">
+        <p:fade/>
+      </p:transition>
+    </mc:Fallback>
+  </mc:AlternateContent>
 </p:sldLayout>
 </file>
 
@@ -2191,6 +2300,18 @@
   <p:clrMapOvr>
     <a:masterClrMapping/>
   </p:clrMapOvr>
+  <mc:AlternateContent xmlns:mc="http://schemas.openxmlformats.org/markup-compatibility/2006" xmlns:p159="http://schemas.microsoft.com/office/powerpoint/2015/09/main">
+    <mc:Choice Requires="p159">
+      <p:transition xmlns:p14="http://schemas.microsoft.com/office/powerpoint/2010/main" spd="slow" p14:dur="4000">
+        <p159:morph option="byObject"/>
+      </p:transition>
+    </mc:Choice>
+    <mc:Fallback xmlns="">
+      <p:transition spd="slow">
+        <p:fade/>
+      </p:transition>
+    </mc:Fallback>
+  </mc:AlternateContent>
 </p:sldLayout>
 </file>
 
@@ -2379,6 +2500,18 @@
   <p:clrMapOvr>
     <a:masterClrMapping/>
   </p:clrMapOvr>
+  <mc:AlternateContent xmlns:mc="http://schemas.openxmlformats.org/markup-compatibility/2006" xmlns:p159="http://schemas.microsoft.com/office/powerpoint/2015/09/main">
+    <mc:Choice Requires="p159">
+      <p:transition xmlns:p14="http://schemas.microsoft.com/office/powerpoint/2010/main" spd="slow" p14:dur="4000">
+        <p159:morph option="byObject"/>
+      </p:transition>
+    </mc:Choice>
+    <mc:Fallback xmlns="">
+      <p:transition spd="slow">
+        <p:fade/>
+      </p:transition>
+    </mc:Fallback>
+  </mc:AlternateContent>
 </p:sldLayout>
 </file>
 
@@ -2543,6 +2676,18 @@
     <p:sldLayoutId id="2147483669" r:id="rId10"/>
     <p:sldLayoutId id="2147483670" r:id="rId11"/>
   </p:sldLayoutIdLst>
+  <mc:AlternateContent xmlns:mc="http://schemas.openxmlformats.org/markup-compatibility/2006" xmlns:p159="http://schemas.microsoft.com/office/powerpoint/2015/09/main">
+    <mc:Choice Requires="p159">
+      <p:transition xmlns:p14="http://schemas.microsoft.com/office/powerpoint/2010/main" spd="slow" p14:dur="4000">
+        <p159:morph option="byObject"/>
+      </p:transition>
+    </mc:Choice>
+    <mc:Fallback xmlns="">
+      <p:transition spd="slow">
+        <p:fade/>
+      </p:transition>
+    </mc:Fallback>
+  </mc:AlternateContent>
   <p:txStyles>
     <p:titleStyle>
       <a:lvl1pPr algn="r" rtl="0" eaLnBrk="1" fontAlgn="base" hangingPunct="1">
@@ -3272,6 +3417,18 @@
   <p:clrMapOvr>
     <a:masterClrMapping/>
   </p:clrMapOvr>
+  <mc:AlternateContent xmlns:mc="http://schemas.openxmlformats.org/markup-compatibility/2006" xmlns:p15="http://schemas.microsoft.com/office/powerpoint/2012/main">
+    <mc:Choice Requires="p15">
+      <p:transition xmlns:p14="http://schemas.microsoft.com/office/powerpoint/2010/main" spd="slow" p14:dur="9000">
+        <p15:prstTrans prst="wind"/>
+      </p:transition>
+    </mc:Choice>
+    <mc:Fallback xmlns="">
+      <p:transition spd="slow">
+        <p:fade/>
+      </p:transition>
+    </mc:Fallback>
+  </mc:AlternateContent>
 </p:sld>
 </file>
 
@@ -3304,7 +3461,7 @@
         </p:nvSpPr>
         <p:spPr>
           <a:xfrm>
-            <a:off x="1619250" y="188913"/>
+            <a:off x="1475656" y="205482"/>
             <a:ext cx="6480175" cy="649287"/>
           </a:xfrm>
         </p:spPr>
@@ -3461,19 +3618,6 @@
             <a:endParaRPr lang="hu-HU" sz="3200" dirty="0">
               <a:latin typeface="Minecraft" panose="00000500000000000000" pitchFamily="50" charset="0"/>
             </a:endParaRPr>
-          </a:p>
-          <a:p>
-            <a:pPr eaLnBrk="1" hangingPunct="1">
-              <a:lnSpc>
-                <a:spcPct val="80000"/>
-              </a:lnSpc>
-            </a:pPr>
-            <a:r>
-              <a:rPr lang="hu-HU" sz="3200" dirty="0">
-                <a:latin typeface="Minecraft" panose="00000500000000000000" pitchFamily="50" charset="0"/>
-              </a:rPr>
-              <a:t>Felhasználóbarát felület</a:t>
-            </a:r>
           </a:p>
           <a:p>
             <a:pPr eaLnBrk="1" hangingPunct="1">
@@ -3759,36 +3903,6 @@
           </a:p>
         </p:txBody>
       </p:sp>
-      <p:pic>
-        <p:nvPicPr>
-          <p:cNvPr id="3" name="Kép 2">
-            <a:extLst>
-              <a:ext uri="{FF2B5EF4-FFF2-40B4-BE49-F238E27FC236}">
-                <a16:creationId xmlns:a16="http://schemas.microsoft.com/office/drawing/2014/main" id="{E7B229C5-4B57-40D4-A4D9-5B48CF2E4B3C}"/>
-              </a:ext>
-            </a:extLst>
-          </p:cNvPr>
-          <p:cNvPicPr>
-            <a:picLocks noChangeAspect="1"/>
-          </p:cNvPicPr>
-          <p:nvPr/>
-        </p:nvPicPr>
-        <p:blipFill>
-          <a:blip r:embed="rId3"/>
-          <a:stretch>
-            <a:fillRect/>
-          </a:stretch>
-        </p:blipFill>
-        <p:spPr>
-          <a:xfrm rot="10800000">
-            <a:off x="5796136" y="3762438"/>
-            <a:ext cx="3131840" cy="1087275"/>
-          </a:xfrm>
-          <a:prstGeom prst="rect">
-            <a:avLst/>
-          </a:prstGeom>
-        </p:spPr>
-      </p:pic>
       <p:sp>
         <p:nvSpPr>
           <p:cNvPr id="6" name="Szövegdoboz 5">
@@ -3824,11 +3938,699 @@
           </a:p>
         </p:txBody>
       </p:sp>
+      <p:pic>
+        <p:nvPicPr>
+          <p:cNvPr id="10" name="Kép 9">
+            <a:extLst>
+              <a:ext uri="{FF2B5EF4-FFF2-40B4-BE49-F238E27FC236}">
+                <a16:creationId xmlns:a16="http://schemas.microsoft.com/office/drawing/2014/main" id="{C631955F-233D-4466-B768-3A4298271DF7}"/>
+              </a:ext>
+            </a:extLst>
+          </p:cNvPr>
+          <p:cNvPicPr>
+            <a:picLocks noChangeAspect="1"/>
+          </p:cNvPicPr>
+          <p:nvPr/>
+        </p:nvPicPr>
+        <p:blipFill>
+          <a:blip r:embed="rId3"/>
+          <a:stretch>
+            <a:fillRect/>
+          </a:stretch>
+        </p:blipFill>
+        <p:spPr>
+          <a:xfrm>
+            <a:off x="6875996" y="229416"/>
+            <a:ext cx="2088617" cy="809872"/>
+          </a:xfrm>
+          <a:prstGeom prst="rect">
+            <a:avLst/>
+          </a:prstGeom>
+        </p:spPr>
+      </p:pic>
     </p:spTree>
   </p:cSld>
   <p:clrMapOvr>
     <a:masterClrMapping/>
   </p:clrMapOvr>
+  <mc:AlternateContent xmlns:mc="http://schemas.openxmlformats.org/markup-compatibility/2006" xmlns:p159="http://schemas.microsoft.com/office/powerpoint/2015/09/main">
+    <mc:Choice Requires="p159">
+      <p:transition xmlns:p14="http://schemas.microsoft.com/office/powerpoint/2010/main" spd="slow" p14:dur="4000">
+        <p159:morph option="byObject"/>
+      </p:transition>
+    </mc:Choice>
+    <mc:Fallback xmlns="">
+      <p:transition spd="slow">
+        <p:fade/>
+      </p:transition>
+    </mc:Fallback>
+  </mc:AlternateContent>
+  <p:timing>
+    <p:tnLst>
+      <p:par>
+        <p:cTn id="1" dur="indefinite" restart="never" nodeType="tmRoot">
+          <p:childTnLst>
+            <p:seq concurrent="1" nextAc="seek">
+              <p:cTn id="2" dur="indefinite" nodeType="mainSeq">
+                <p:childTnLst>
+                  <p:par>
+                    <p:cTn id="3" fill="hold">
+                      <p:stCondLst>
+                        <p:cond delay="indefinite"/>
+                        <p:cond evt="onBegin" delay="0">
+                          <p:tn val="2"/>
+                        </p:cond>
+                      </p:stCondLst>
+                      <p:childTnLst>
+                        <p:par>
+                          <p:cTn id="4" fill="hold">
+                            <p:stCondLst>
+                              <p:cond delay="0"/>
+                            </p:stCondLst>
+                            <p:childTnLst>
+                              <p:par>
+                                <p:cTn id="5" presetID="32" presetClass="emph" presetSubtype="0" repeatCount="indefinite" fill="remove" nodeType="withEffect">
+                                  <p:stCondLst>
+                                    <p:cond delay="0"/>
+                                  </p:stCondLst>
+                                  <p:childTnLst>
+                                    <p:animRot by="120000">
+                                      <p:cBhvr>
+                                        <p:cTn id="6" dur="1700" fill="hold">
+                                          <p:stCondLst>
+                                            <p:cond delay="0"/>
+                                          </p:stCondLst>
+                                        </p:cTn>
+                                        <p:tgtEl>
+                                          <p:spTgt spid="10"/>
+                                        </p:tgtEl>
+                                        <p:attrNameLst>
+                                          <p:attrName>r</p:attrName>
+                                        </p:attrNameLst>
+                                      </p:cBhvr>
+                                    </p:animRot>
+                                    <p:animRot by="-240000">
+                                      <p:cBhvr>
+                                        <p:cTn id="7" dur="3400" fill="hold">
+                                          <p:stCondLst>
+                                            <p:cond delay="3400"/>
+                                          </p:stCondLst>
+                                        </p:cTn>
+                                        <p:tgtEl>
+                                          <p:spTgt spid="10"/>
+                                        </p:tgtEl>
+                                        <p:attrNameLst>
+                                          <p:attrName>r</p:attrName>
+                                        </p:attrNameLst>
+                                      </p:cBhvr>
+                                    </p:animRot>
+                                    <p:animRot by="240000">
+                                      <p:cBhvr>
+                                        <p:cTn id="8" dur="3400" fill="hold">
+                                          <p:stCondLst>
+                                            <p:cond delay="6800"/>
+                                          </p:stCondLst>
+                                        </p:cTn>
+                                        <p:tgtEl>
+                                          <p:spTgt spid="10"/>
+                                        </p:tgtEl>
+                                        <p:attrNameLst>
+                                          <p:attrName>r</p:attrName>
+                                        </p:attrNameLst>
+                                      </p:cBhvr>
+                                    </p:animRot>
+                                    <p:animRot by="-240000">
+                                      <p:cBhvr>
+                                        <p:cTn id="9" dur="3400" fill="hold">
+                                          <p:stCondLst>
+                                            <p:cond delay="10200"/>
+                                          </p:stCondLst>
+                                        </p:cTn>
+                                        <p:tgtEl>
+                                          <p:spTgt spid="10"/>
+                                        </p:tgtEl>
+                                        <p:attrNameLst>
+                                          <p:attrName>r</p:attrName>
+                                        </p:attrNameLst>
+                                      </p:cBhvr>
+                                    </p:animRot>
+                                    <p:animRot by="120000">
+                                      <p:cBhvr>
+                                        <p:cTn id="10" dur="3400" fill="hold">
+                                          <p:stCondLst>
+                                            <p:cond delay="13600"/>
+                                          </p:stCondLst>
+                                        </p:cTn>
+                                        <p:tgtEl>
+                                          <p:spTgt spid="10"/>
+                                        </p:tgtEl>
+                                        <p:attrNameLst>
+                                          <p:attrName>r</p:attrName>
+                                        </p:attrNameLst>
+                                      </p:cBhvr>
+                                    </p:animRot>
+                                  </p:childTnLst>
+                                </p:cTn>
+                              </p:par>
+                            </p:childTnLst>
+                          </p:cTn>
+                        </p:par>
+                      </p:childTnLst>
+                    </p:cTn>
+                  </p:par>
+                  <p:par>
+                    <p:cTn id="11" fill="hold">
+                      <p:stCondLst>
+                        <p:cond delay="indefinite"/>
+                      </p:stCondLst>
+                      <p:childTnLst>
+                        <p:par>
+                          <p:cTn id="12" fill="hold">
+                            <p:stCondLst>
+                              <p:cond delay="0"/>
+                            </p:stCondLst>
+                            <p:childTnLst>
+                              <p:par>
+                                <p:cTn id="13" presetID="42" presetClass="entr" presetSubtype="0" fill="hold" nodeType="clickEffect">
+                                  <p:stCondLst>
+                                    <p:cond delay="0"/>
+                                  </p:stCondLst>
+                                  <p:childTnLst>
+                                    <p:set>
+                                      <p:cBhvr>
+                                        <p:cTn id="14" dur="1" fill="hold">
+                                          <p:stCondLst>
+                                            <p:cond delay="0"/>
+                                          </p:stCondLst>
+                                        </p:cTn>
+                                        <p:tgtEl>
+                                          <p:spTgt spid="4099">
+                                            <p:txEl>
+                                              <p:pRg st="0" end="0"/>
+                                            </p:txEl>
+                                          </p:spTgt>
+                                        </p:tgtEl>
+                                        <p:attrNameLst>
+                                          <p:attrName>style.visibility</p:attrName>
+                                        </p:attrNameLst>
+                                      </p:cBhvr>
+                                      <p:to>
+                                        <p:strVal val="visible"/>
+                                      </p:to>
+                                    </p:set>
+                                    <p:animEffect transition="in" filter="fade">
+                                      <p:cBhvr>
+                                        <p:cTn id="15" dur="1000"/>
+                                        <p:tgtEl>
+                                          <p:spTgt spid="4099">
+                                            <p:txEl>
+                                              <p:pRg st="0" end="0"/>
+                                            </p:txEl>
+                                          </p:spTgt>
+                                        </p:tgtEl>
+                                      </p:cBhvr>
+                                    </p:animEffect>
+                                    <p:anim calcmode="lin" valueType="num">
+                                      <p:cBhvr>
+                                        <p:cTn id="16" dur="1000" fill="hold"/>
+                                        <p:tgtEl>
+                                          <p:spTgt spid="4099">
+                                            <p:txEl>
+                                              <p:pRg st="0" end="0"/>
+                                            </p:txEl>
+                                          </p:spTgt>
+                                        </p:tgtEl>
+                                        <p:attrNameLst>
+                                          <p:attrName>ppt_x</p:attrName>
+                                        </p:attrNameLst>
+                                      </p:cBhvr>
+                                      <p:tavLst>
+                                        <p:tav tm="0">
+                                          <p:val>
+                                            <p:strVal val="#ppt_x"/>
+                                          </p:val>
+                                        </p:tav>
+                                        <p:tav tm="100000">
+                                          <p:val>
+                                            <p:strVal val="#ppt_x"/>
+                                          </p:val>
+                                        </p:tav>
+                                      </p:tavLst>
+                                    </p:anim>
+                                    <p:anim calcmode="lin" valueType="num">
+                                      <p:cBhvr>
+                                        <p:cTn id="17" dur="1000" fill="hold"/>
+                                        <p:tgtEl>
+                                          <p:spTgt spid="4099">
+                                            <p:txEl>
+                                              <p:pRg st="0" end="0"/>
+                                            </p:txEl>
+                                          </p:spTgt>
+                                        </p:tgtEl>
+                                        <p:attrNameLst>
+                                          <p:attrName>ppt_y</p:attrName>
+                                        </p:attrNameLst>
+                                      </p:cBhvr>
+                                      <p:tavLst>
+                                        <p:tav tm="0">
+                                          <p:val>
+                                            <p:strVal val="#ppt_y+.1"/>
+                                          </p:val>
+                                        </p:tav>
+                                        <p:tav tm="100000">
+                                          <p:val>
+                                            <p:strVal val="#ppt_y"/>
+                                          </p:val>
+                                        </p:tav>
+                                      </p:tavLst>
+                                    </p:anim>
+                                  </p:childTnLst>
+                                </p:cTn>
+                              </p:par>
+                            </p:childTnLst>
+                          </p:cTn>
+                        </p:par>
+                      </p:childTnLst>
+                    </p:cTn>
+                  </p:par>
+                  <p:par>
+                    <p:cTn id="18" fill="hold">
+                      <p:stCondLst>
+                        <p:cond delay="indefinite"/>
+                      </p:stCondLst>
+                      <p:childTnLst>
+                        <p:par>
+                          <p:cTn id="19" fill="hold">
+                            <p:stCondLst>
+                              <p:cond delay="0"/>
+                            </p:stCondLst>
+                            <p:childTnLst>
+                              <p:par>
+                                <p:cTn id="20" presetID="42" presetClass="entr" presetSubtype="0" fill="hold" nodeType="clickEffect">
+                                  <p:stCondLst>
+                                    <p:cond delay="0"/>
+                                  </p:stCondLst>
+                                  <p:childTnLst>
+                                    <p:set>
+                                      <p:cBhvr>
+                                        <p:cTn id="21" dur="1" fill="hold">
+                                          <p:stCondLst>
+                                            <p:cond delay="0"/>
+                                          </p:stCondLst>
+                                        </p:cTn>
+                                        <p:tgtEl>
+                                          <p:spTgt spid="4099">
+                                            <p:txEl>
+                                              <p:pRg st="3" end="3"/>
+                                            </p:txEl>
+                                          </p:spTgt>
+                                        </p:tgtEl>
+                                        <p:attrNameLst>
+                                          <p:attrName>style.visibility</p:attrName>
+                                        </p:attrNameLst>
+                                      </p:cBhvr>
+                                      <p:to>
+                                        <p:strVal val="visible"/>
+                                      </p:to>
+                                    </p:set>
+                                    <p:animEffect transition="in" filter="fade">
+                                      <p:cBhvr>
+                                        <p:cTn id="22" dur="1000"/>
+                                        <p:tgtEl>
+                                          <p:spTgt spid="4099">
+                                            <p:txEl>
+                                              <p:pRg st="3" end="3"/>
+                                            </p:txEl>
+                                          </p:spTgt>
+                                        </p:tgtEl>
+                                      </p:cBhvr>
+                                    </p:animEffect>
+                                    <p:anim calcmode="lin" valueType="num">
+                                      <p:cBhvr>
+                                        <p:cTn id="23" dur="1000" fill="hold"/>
+                                        <p:tgtEl>
+                                          <p:spTgt spid="4099">
+                                            <p:txEl>
+                                              <p:pRg st="3" end="3"/>
+                                            </p:txEl>
+                                          </p:spTgt>
+                                        </p:tgtEl>
+                                        <p:attrNameLst>
+                                          <p:attrName>ppt_x</p:attrName>
+                                        </p:attrNameLst>
+                                      </p:cBhvr>
+                                      <p:tavLst>
+                                        <p:tav tm="0">
+                                          <p:val>
+                                            <p:strVal val="#ppt_x"/>
+                                          </p:val>
+                                        </p:tav>
+                                        <p:tav tm="100000">
+                                          <p:val>
+                                            <p:strVal val="#ppt_x"/>
+                                          </p:val>
+                                        </p:tav>
+                                      </p:tavLst>
+                                    </p:anim>
+                                    <p:anim calcmode="lin" valueType="num">
+                                      <p:cBhvr>
+                                        <p:cTn id="24" dur="1000" fill="hold"/>
+                                        <p:tgtEl>
+                                          <p:spTgt spid="4099">
+                                            <p:txEl>
+                                              <p:pRg st="3" end="3"/>
+                                            </p:txEl>
+                                          </p:spTgt>
+                                        </p:tgtEl>
+                                        <p:attrNameLst>
+                                          <p:attrName>ppt_y</p:attrName>
+                                        </p:attrNameLst>
+                                      </p:cBhvr>
+                                      <p:tavLst>
+                                        <p:tav tm="0">
+                                          <p:val>
+                                            <p:strVal val="#ppt_y+.1"/>
+                                          </p:val>
+                                        </p:tav>
+                                        <p:tav tm="100000">
+                                          <p:val>
+                                            <p:strVal val="#ppt_y"/>
+                                          </p:val>
+                                        </p:tav>
+                                      </p:tavLst>
+                                    </p:anim>
+                                  </p:childTnLst>
+                                </p:cTn>
+                              </p:par>
+                              <p:par>
+                                <p:cTn id="25" presetID="42" presetClass="entr" presetSubtype="0" fill="hold" grpId="0" nodeType="withEffect">
+                                  <p:stCondLst>
+                                    <p:cond delay="0"/>
+                                  </p:stCondLst>
+                                  <p:childTnLst>
+                                    <p:set>
+                                      <p:cBhvr>
+                                        <p:cTn id="26" dur="1" fill="hold">
+                                          <p:stCondLst>
+                                            <p:cond delay="0"/>
+                                          </p:stCondLst>
+                                        </p:cTn>
+                                        <p:tgtEl>
+                                          <p:spTgt spid="12"/>
+                                        </p:tgtEl>
+                                        <p:attrNameLst>
+                                          <p:attrName>style.visibility</p:attrName>
+                                        </p:attrNameLst>
+                                      </p:cBhvr>
+                                      <p:to>
+                                        <p:strVal val="visible"/>
+                                      </p:to>
+                                    </p:set>
+                                    <p:animEffect transition="in" filter="fade">
+                                      <p:cBhvr>
+                                        <p:cTn id="27" dur="1000"/>
+                                        <p:tgtEl>
+                                          <p:spTgt spid="12"/>
+                                        </p:tgtEl>
+                                      </p:cBhvr>
+                                    </p:animEffect>
+                                    <p:anim calcmode="lin" valueType="num">
+                                      <p:cBhvr>
+                                        <p:cTn id="28" dur="1000" fill="hold"/>
+                                        <p:tgtEl>
+                                          <p:spTgt spid="12"/>
+                                        </p:tgtEl>
+                                        <p:attrNameLst>
+                                          <p:attrName>ppt_x</p:attrName>
+                                        </p:attrNameLst>
+                                      </p:cBhvr>
+                                      <p:tavLst>
+                                        <p:tav tm="0">
+                                          <p:val>
+                                            <p:strVal val="#ppt_x"/>
+                                          </p:val>
+                                        </p:tav>
+                                        <p:tav tm="100000">
+                                          <p:val>
+                                            <p:strVal val="#ppt_x"/>
+                                          </p:val>
+                                        </p:tav>
+                                      </p:tavLst>
+                                    </p:anim>
+                                    <p:anim calcmode="lin" valueType="num">
+                                      <p:cBhvr>
+                                        <p:cTn id="29" dur="1000" fill="hold"/>
+                                        <p:tgtEl>
+                                          <p:spTgt spid="12"/>
+                                        </p:tgtEl>
+                                        <p:attrNameLst>
+                                          <p:attrName>ppt_y</p:attrName>
+                                        </p:attrNameLst>
+                                      </p:cBhvr>
+                                      <p:tavLst>
+                                        <p:tav tm="0">
+                                          <p:val>
+                                            <p:strVal val="#ppt_y+.1"/>
+                                          </p:val>
+                                        </p:tav>
+                                        <p:tav tm="100000">
+                                          <p:val>
+                                            <p:strVal val="#ppt_y"/>
+                                          </p:val>
+                                        </p:tav>
+                                      </p:tavLst>
+                                    </p:anim>
+                                  </p:childTnLst>
+                                </p:cTn>
+                              </p:par>
+                            </p:childTnLst>
+                          </p:cTn>
+                        </p:par>
+                      </p:childTnLst>
+                    </p:cTn>
+                  </p:par>
+                  <p:par>
+                    <p:cTn id="30" fill="hold">
+                      <p:stCondLst>
+                        <p:cond delay="indefinite"/>
+                      </p:stCondLst>
+                      <p:childTnLst>
+                        <p:par>
+                          <p:cTn id="31" fill="hold">
+                            <p:stCondLst>
+                              <p:cond delay="0"/>
+                            </p:stCondLst>
+                            <p:childTnLst>
+                              <p:par>
+                                <p:cTn id="32" presetID="42" presetClass="entr" presetSubtype="0" fill="hold" nodeType="clickEffect">
+                                  <p:stCondLst>
+                                    <p:cond delay="0"/>
+                                  </p:stCondLst>
+                                  <p:childTnLst>
+                                    <p:set>
+                                      <p:cBhvr>
+                                        <p:cTn id="33" dur="1" fill="hold">
+                                          <p:stCondLst>
+                                            <p:cond delay="0"/>
+                                          </p:stCondLst>
+                                        </p:cTn>
+                                        <p:tgtEl>
+                                          <p:spTgt spid="4099">
+                                            <p:txEl>
+                                              <p:pRg st="6" end="6"/>
+                                            </p:txEl>
+                                          </p:spTgt>
+                                        </p:tgtEl>
+                                        <p:attrNameLst>
+                                          <p:attrName>style.visibility</p:attrName>
+                                        </p:attrNameLst>
+                                      </p:cBhvr>
+                                      <p:to>
+                                        <p:strVal val="visible"/>
+                                      </p:to>
+                                    </p:set>
+                                    <p:animEffect transition="in" filter="fade">
+                                      <p:cBhvr>
+                                        <p:cTn id="34" dur="1000"/>
+                                        <p:tgtEl>
+                                          <p:spTgt spid="4099">
+                                            <p:txEl>
+                                              <p:pRg st="6" end="6"/>
+                                            </p:txEl>
+                                          </p:spTgt>
+                                        </p:tgtEl>
+                                      </p:cBhvr>
+                                    </p:animEffect>
+                                    <p:anim calcmode="lin" valueType="num">
+                                      <p:cBhvr>
+                                        <p:cTn id="35" dur="1000" fill="hold"/>
+                                        <p:tgtEl>
+                                          <p:spTgt spid="4099">
+                                            <p:txEl>
+                                              <p:pRg st="6" end="6"/>
+                                            </p:txEl>
+                                          </p:spTgt>
+                                        </p:tgtEl>
+                                        <p:attrNameLst>
+                                          <p:attrName>ppt_x</p:attrName>
+                                        </p:attrNameLst>
+                                      </p:cBhvr>
+                                      <p:tavLst>
+                                        <p:tav tm="0">
+                                          <p:val>
+                                            <p:strVal val="#ppt_x"/>
+                                          </p:val>
+                                        </p:tav>
+                                        <p:tav tm="100000">
+                                          <p:val>
+                                            <p:strVal val="#ppt_x"/>
+                                          </p:val>
+                                        </p:tav>
+                                      </p:tavLst>
+                                    </p:anim>
+                                    <p:anim calcmode="lin" valueType="num">
+                                      <p:cBhvr>
+                                        <p:cTn id="36" dur="1000" fill="hold"/>
+                                        <p:tgtEl>
+                                          <p:spTgt spid="4099">
+                                            <p:txEl>
+                                              <p:pRg st="6" end="6"/>
+                                            </p:txEl>
+                                          </p:spTgt>
+                                        </p:tgtEl>
+                                        <p:attrNameLst>
+                                          <p:attrName>ppt_y</p:attrName>
+                                        </p:attrNameLst>
+                                      </p:cBhvr>
+                                      <p:tavLst>
+                                        <p:tav tm="0">
+                                          <p:val>
+                                            <p:strVal val="#ppt_y+.1"/>
+                                          </p:val>
+                                        </p:tav>
+                                        <p:tav tm="100000">
+                                          <p:val>
+                                            <p:strVal val="#ppt_y"/>
+                                          </p:val>
+                                        </p:tav>
+                                      </p:tavLst>
+                                    </p:anim>
+                                  </p:childTnLst>
+                                </p:cTn>
+                              </p:par>
+                              <p:par>
+                                <p:cTn id="37" presetID="42" presetClass="entr" presetSubtype="0" fill="hold" grpId="0" nodeType="withEffect">
+                                  <p:stCondLst>
+                                    <p:cond delay="0"/>
+                                  </p:stCondLst>
+                                  <p:childTnLst>
+                                    <p:set>
+                                      <p:cBhvr>
+                                        <p:cTn id="38" dur="1" fill="hold">
+                                          <p:stCondLst>
+                                            <p:cond delay="0"/>
+                                          </p:stCondLst>
+                                        </p:cTn>
+                                        <p:tgtEl>
+                                          <p:spTgt spid="19"/>
+                                        </p:tgtEl>
+                                        <p:attrNameLst>
+                                          <p:attrName>style.visibility</p:attrName>
+                                        </p:attrNameLst>
+                                      </p:cBhvr>
+                                      <p:to>
+                                        <p:strVal val="visible"/>
+                                      </p:to>
+                                    </p:set>
+                                    <p:animEffect transition="in" filter="fade">
+                                      <p:cBhvr>
+                                        <p:cTn id="39" dur="1000"/>
+                                        <p:tgtEl>
+                                          <p:spTgt spid="19"/>
+                                        </p:tgtEl>
+                                      </p:cBhvr>
+                                    </p:animEffect>
+                                    <p:anim calcmode="lin" valueType="num">
+                                      <p:cBhvr>
+                                        <p:cTn id="40" dur="1000" fill="hold"/>
+                                        <p:tgtEl>
+                                          <p:spTgt spid="19"/>
+                                        </p:tgtEl>
+                                        <p:attrNameLst>
+                                          <p:attrName>ppt_x</p:attrName>
+                                        </p:attrNameLst>
+                                      </p:cBhvr>
+                                      <p:tavLst>
+                                        <p:tav tm="0">
+                                          <p:val>
+                                            <p:strVal val="#ppt_x"/>
+                                          </p:val>
+                                        </p:tav>
+                                        <p:tav tm="100000">
+                                          <p:val>
+                                            <p:strVal val="#ppt_x"/>
+                                          </p:val>
+                                        </p:tav>
+                                      </p:tavLst>
+                                    </p:anim>
+                                    <p:anim calcmode="lin" valueType="num">
+                                      <p:cBhvr>
+                                        <p:cTn id="41" dur="1000" fill="hold"/>
+                                        <p:tgtEl>
+                                          <p:spTgt spid="19"/>
+                                        </p:tgtEl>
+                                        <p:attrNameLst>
+                                          <p:attrName>ppt_y</p:attrName>
+                                        </p:attrNameLst>
+                                      </p:cBhvr>
+                                      <p:tavLst>
+                                        <p:tav tm="0">
+                                          <p:val>
+                                            <p:strVal val="#ppt_y+.1"/>
+                                          </p:val>
+                                        </p:tav>
+                                        <p:tav tm="100000">
+                                          <p:val>
+                                            <p:strVal val="#ppt_y"/>
+                                          </p:val>
+                                        </p:tav>
+                                      </p:tavLst>
+                                    </p:anim>
+                                  </p:childTnLst>
+                                </p:cTn>
+                              </p:par>
+                            </p:childTnLst>
+                          </p:cTn>
+                        </p:par>
+                      </p:childTnLst>
+                    </p:cTn>
+                  </p:par>
+                </p:childTnLst>
+              </p:cTn>
+              <p:prevCondLst>
+                <p:cond evt="onPrev" delay="0">
+                  <p:tgtEl>
+                    <p:sldTgt/>
+                  </p:tgtEl>
+                </p:cond>
+              </p:prevCondLst>
+              <p:nextCondLst>
+                <p:cond evt="onNext" delay="0">
+                  <p:tgtEl>
+                    <p:sldTgt/>
+                  </p:tgtEl>
+                </p:cond>
+              </p:nextCondLst>
+            </p:seq>
+          </p:childTnLst>
+        </p:cTn>
+      </p:par>
+    </p:tnLst>
+    <p:bldLst>
+      <p:bldP spid="12" grpId="0" animBg="1"/>
+      <p:bldP spid="19" grpId="0" animBg="1"/>
+    </p:bldLst>
+  </p:timing>
 </p:sld>
 </file>
 
@@ -3872,11 +4674,14 @@
           <a:p>
             <a:pPr algn="ctr"/>
             <a:r>
-              <a:rPr lang="hu-HU" sz="3200" dirty="0">
+              <a:rPr lang="hu-HU" sz="3200" dirty="0" err="1">
                 <a:latin typeface="Minecraft" panose="00000500000000000000" pitchFamily="50" charset="0"/>
               </a:rPr>
-              <a:t>Funkciók</a:t>
+              <a:t>Funkciok</a:t>
             </a:r>
+            <a:endParaRPr lang="hu-HU" sz="3200" dirty="0">
+              <a:latin typeface="Minecraft" panose="00000500000000000000" pitchFamily="50" charset="0"/>
+            </a:endParaRPr>
           </a:p>
         </p:txBody>
       </p:sp>
@@ -3989,7 +4794,7 @@
               <a:rPr lang="hu-HU" dirty="0">
                 <a:latin typeface="Minecraft" panose="00000500000000000000" pitchFamily="50" charset="0"/>
               </a:rPr>
-              <a:t>Kosárhoz adás</a:t>
+              <a:t>Kosárhoz adás/eltávolítás</a:t>
             </a:r>
           </a:p>
           <a:p>
@@ -4449,6 +5254,381 @@
           </a:p>
         </p:txBody>
       </p:sp>
+      <p:sp>
+        <p:nvSpPr>
+          <p:cNvPr id="21" name="Téglalap 20">
+            <a:extLst>
+              <a:ext uri="{FF2B5EF4-FFF2-40B4-BE49-F238E27FC236}">
+                <a16:creationId xmlns:a16="http://schemas.microsoft.com/office/drawing/2014/main" id="{B8DCD95E-0F03-4295-B9F1-4E3C81A86A2F}"/>
+              </a:ext>
+            </a:extLst>
+          </p:cNvPr>
+          <p:cNvSpPr/>
+          <p:nvPr/>
+        </p:nvSpPr>
+        <p:spPr bwMode="auto">
+          <a:xfrm rot="5400000">
+            <a:off x="6555816" y="4325504"/>
+            <a:ext cx="90016" cy="25200"/>
+          </a:xfrm>
+          <a:prstGeom prst="rect">
+            <a:avLst/>
+          </a:prstGeom>
+          <a:solidFill>
+            <a:schemeClr val="tx1"/>
+          </a:solidFill>
+          <a:ln w="9525" cap="flat" cmpd="sng" algn="ctr">
+            <a:solidFill>
+              <a:schemeClr val="tx1"/>
+            </a:solidFill>
+            <a:prstDash val="solid"/>
+            <a:round/>
+            <a:headEnd type="none" w="med" len="med"/>
+            <a:tailEnd type="none" w="med" len="med"/>
+          </a:ln>
+          <a:effectLst/>
+          <a:extLst/>
+        </p:spPr>
+        <p:txBody>
+          <a:bodyPr vert="horz" wrap="square" lIns="91440" tIns="45720" rIns="91440" bIns="45720" numCol="1" rtlCol="0" anchor="t" anchorCtr="0" compatLnSpc="1">
+            <a:prstTxWarp prst="textNoShape">
+              <a:avLst/>
+            </a:prstTxWarp>
+          </a:bodyPr>
+          <a:lstStyle/>
+          <a:p>
+            <a:pPr marL="0" marR="0" indent="0" algn="l" defTabSz="914400" rtl="0" eaLnBrk="1" fontAlgn="base" latinLnBrk="0" hangingPunct="1">
+              <a:lnSpc>
+                <a:spcPct val="100000"/>
+              </a:lnSpc>
+              <a:spcBef>
+                <a:spcPct val="0"/>
+              </a:spcBef>
+              <a:spcAft>
+                <a:spcPct val="0"/>
+              </a:spcAft>
+              <a:buClrTx/>
+              <a:buSzTx/>
+              <a:buFontTx/>
+              <a:buNone/>
+              <a:tabLst/>
+            </a:pPr>
+            <a:endParaRPr lang="hu-HU" dirty="0"/>
+          </a:p>
+        </p:txBody>
+      </p:sp>
+      <p:sp>
+        <p:nvSpPr>
+          <p:cNvPr id="22" name="Téglalap 21">
+            <a:extLst>
+              <a:ext uri="{FF2B5EF4-FFF2-40B4-BE49-F238E27FC236}">
+                <a16:creationId xmlns:a16="http://schemas.microsoft.com/office/drawing/2014/main" id="{B694FA42-BF5F-4F2F-BD10-FE77D7488EC7}"/>
+              </a:ext>
+            </a:extLst>
+          </p:cNvPr>
+          <p:cNvSpPr/>
+          <p:nvPr/>
+        </p:nvSpPr>
+        <p:spPr bwMode="auto">
+          <a:xfrm rot="5400000">
+            <a:off x="6518109" y="3821448"/>
+            <a:ext cx="90016" cy="25200"/>
+          </a:xfrm>
+          <a:prstGeom prst="rect">
+            <a:avLst/>
+          </a:prstGeom>
+          <a:solidFill>
+            <a:schemeClr val="tx1"/>
+          </a:solidFill>
+          <a:ln w="9525" cap="flat" cmpd="sng" algn="ctr">
+            <a:solidFill>
+              <a:schemeClr val="tx1"/>
+            </a:solidFill>
+            <a:prstDash val="solid"/>
+            <a:round/>
+            <a:headEnd type="none" w="med" len="med"/>
+            <a:tailEnd type="none" w="med" len="med"/>
+          </a:ln>
+          <a:effectLst/>
+          <a:extLst/>
+        </p:spPr>
+        <p:txBody>
+          <a:bodyPr vert="horz" wrap="square" lIns="91440" tIns="45720" rIns="91440" bIns="45720" numCol="1" rtlCol="0" anchor="t" anchorCtr="0" compatLnSpc="1">
+            <a:prstTxWarp prst="textNoShape">
+              <a:avLst/>
+            </a:prstTxWarp>
+          </a:bodyPr>
+          <a:lstStyle/>
+          <a:p>
+            <a:pPr marL="0" marR="0" indent="0" algn="l" defTabSz="914400" rtl="0" eaLnBrk="1" fontAlgn="base" latinLnBrk="0" hangingPunct="1">
+              <a:lnSpc>
+                <a:spcPct val="100000"/>
+              </a:lnSpc>
+              <a:spcBef>
+                <a:spcPct val="0"/>
+              </a:spcBef>
+              <a:spcAft>
+                <a:spcPct val="0"/>
+              </a:spcAft>
+              <a:buClrTx/>
+              <a:buSzTx/>
+              <a:buFontTx/>
+              <a:buNone/>
+              <a:tabLst/>
+            </a:pPr>
+            <a:endParaRPr lang="hu-HU" dirty="0"/>
+          </a:p>
+        </p:txBody>
+      </p:sp>
+      <p:sp>
+        <p:nvSpPr>
+          <p:cNvPr id="23" name="Téglalap 22">
+            <a:extLst>
+              <a:ext uri="{FF2B5EF4-FFF2-40B4-BE49-F238E27FC236}">
+                <a16:creationId xmlns:a16="http://schemas.microsoft.com/office/drawing/2014/main" id="{3359E218-D1EA-4F9A-930E-D647FF2E4CDA}"/>
+              </a:ext>
+            </a:extLst>
+          </p:cNvPr>
+          <p:cNvSpPr/>
+          <p:nvPr/>
+        </p:nvSpPr>
+        <p:spPr bwMode="auto">
+          <a:xfrm rot="5400000">
+            <a:off x="1378106" y="4226496"/>
+            <a:ext cx="90016" cy="25200"/>
+          </a:xfrm>
+          <a:prstGeom prst="rect">
+            <a:avLst/>
+          </a:prstGeom>
+          <a:solidFill>
+            <a:schemeClr val="tx1"/>
+          </a:solidFill>
+          <a:ln w="9525" cap="flat" cmpd="sng" algn="ctr">
+            <a:solidFill>
+              <a:schemeClr val="tx1"/>
+            </a:solidFill>
+            <a:prstDash val="solid"/>
+            <a:round/>
+            <a:headEnd type="none" w="med" len="med"/>
+            <a:tailEnd type="none" w="med" len="med"/>
+          </a:ln>
+          <a:effectLst/>
+          <a:extLst/>
+        </p:spPr>
+        <p:txBody>
+          <a:bodyPr vert="horz" wrap="square" lIns="91440" tIns="45720" rIns="91440" bIns="45720" numCol="1" rtlCol="0" anchor="t" anchorCtr="0" compatLnSpc="1">
+            <a:prstTxWarp prst="textNoShape">
+              <a:avLst/>
+            </a:prstTxWarp>
+          </a:bodyPr>
+          <a:lstStyle/>
+          <a:p>
+            <a:pPr marL="0" marR="0" indent="0" algn="l" defTabSz="914400" rtl="0" eaLnBrk="1" fontAlgn="base" latinLnBrk="0" hangingPunct="1">
+              <a:lnSpc>
+                <a:spcPct val="100000"/>
+              </a:lnSpc>
+              <a:spcBef>
+                <a:spcPct val="0"/>
+              </a:spcBef>
+              <a:spcAft>
+                <a:spcPct val="0"/>
+              </a:spcAft>
+              <a:buClrTx/>
+              <a:buSzTx/>
+              <a:buFontTx/>
+              <a:buNone/>
+              <a:tabLst/>
+            </a:pPr>
+            <a:endParaRPr lang="hu-HU" dirty="0"/>
+          </a:p>
+        </p:txBody>
+      </p:sp>
+      <p:sp>
+        <p:nvSpPr>
+          <p:cNvPr id="24" name="Téglalap 23">
+            <a:extLst>
+              <a:ext uri="{FF2B5EF4-FFF2-40B4-BE49-F238E27FC236}">
+                <a16:creationId xmlns:a16="http://schemas.microsoft.com/office/drawing/2014/main" id="{73647DBD-32E1-4B97-8D3B-2F0285DEE75F}"/>
+              </a:ext>
+            </a:extLst>
+          </p:cNvPr>
+          <p:cNvSpPr/>
+          <p:nvPr/>
+        </p:nvSpPr>
+        <p:spPr bwMode="auto">
+          <a:xfrm rot="5400000">
+            <a:off x="1378106" y="2262472"/>
+            <a:ext cx="90016" cy="25200"/>
+          </a:xfrm>
+          <a:prstGeom prst="rect">
+            <a:avLst/>
+          </a:prstGeom>
+          <a:solidFill>
+            <a:schemeClr val="tx1"/>
+          </a:solidFill>
+          <a:ln w="9525" cap="flat" cmpd="sng" algn="ctr">
+            <a:solidFill>
+              <a:schemeClr val="tx1"/>
+            </a:solidFill>
+            <a:prstDash val="solid"/>
+            <a:round/>
+            <a:headEnd type="none" w="med" len="med"/>
+            <a:tailEnd type="none" w="med" len="med"/>
+          </a:ln>
+          <a:effectLst/>
+          <a:extLst/>
+        </p:spPr>
+        <p:txBody>
+          <a:bodyPr vert="horz" wrap="square" lIns="91440" tIns="45720" rIns="91440" bIns="45720" numCol="1" rtlCol="0" anchor="t" anchorCtr="0" compatLnSpc="1">
+            <a:prstTxWarp prst="textNoShape">
+              <a:avLst/>
+            </a:prstTxWarp>
+          </a:bodyPr>
+          <a:lstStyle/>
+          <a:p>
+            <a:pPr marL="0" marR="0" indent="0" algn="l" defTabSz="914400" rtl="0" eaLnBrk="1" fontAlgn="base" latinLnBrk="0" hangingPunct="1">
+              <a:lnSpc>
+                <a:spcPct val="100000"/>
+              </a:lnSpc>
+              <a:spcBef>
+                <a:spcPct val="0"/>
+              </a:spcBef>
+              <a:spcAft>
+                <a:spcPct val="0"/>
+              </a:spcAft>
+              <a:buClrTx/>
+              <a:buSzTx/>
+              <a:buFontTx/>
+              <a:buNone/>
+              <a:tabLst/>
+            </a:pPr>
+            <a:endParaRPr lang="hu-HU" dirty="0"/>
+          </a:p>
+        </p:txBody>
+      </p:sp>
+      <p:sp>
+        <p:nvSpPr>
+          <p:cNvPr id="25" name="Téglalap 24">
+            <a:extLst>
+              <a:ext uri="{FF2B5EF4-FFF2-40B4-BE49-F238E27FC236}">
+                <a16:creationId xmlns:a16="http://schemas.microsoft.com/office/drawing/2014/main" id="{536330F0-3DA4-4C54-968C-450CE9FD76B3}"/>
+              </a:ext>
+            </a:extLst>
+          </p:cNvPr>
+          <p:cNvSpPr/>
+          <p:nvPr/>
+        </p:nvSpPr>
+        <p:spPr bwMode="auto">
+          <a:xfrm rot="5400000">
+            <a:off x="1378106" y="5261608"/>
+            <a:ext cx="90016" cy="25200"/>
+          </a:xfrm>
+          <a:prstGeom prst="rect">
+            <a:avLst/>
+          </a:prstGeom>
+          <a:solidFill>
+            <a:schemeClr val="tx1"/>
+          </a:solidFill>
+          <a:ln w="9525" cap="flat" cmpd="sng" algn="ctr">
+            <a:solidFill>
+              <a:schemeClr val="tx1"/>
+            </a:solidFill>
+            <a:prstDash val="solid"/>
+            <a:round/>
+            <a:headEnd type="none" w="med" len="med"/>
+            <a:tailEnd type="none" w="med" len="med"/>
+          </a:ln>
+          <a:effectLst/>
+          <a:extLst/>
+        </p:spPr>
+        <p:txBody>
+          <a:bodyPr vert="horz" wrap="square" lIns="91440" tIns="45720" rIns="91440" bIns="45720" numCol="1" rtlCol="0" anchor="t" anchorCtr="0" compatLnSpc="1">
+            <a:prstTxWarp prst="textNoShape">
+              <a:avLst/>
+            </a:prstTxWarp>
+          </a:bodyPr>
+          <a:lstStyle/>
+          <a:p>
+            <a:pPr marL="0" marR="0" indent="0" algn="l" defTabSz="914400" rtl="0" eaLnBrk="1" fontAlgn="base" latinLnBrk="0" hangingPunct="1">
+              <a:lnSpc>
+                <a:spcPct val="100000"/>
+              </a:lnSpc>
+              <a:spcBef>
+                <a:spcPct val="0"/>
+              </a:spcBef>
+              <a:spcAft>
+                <a:spcPct val="0"/>
+              </a:spcAft>
+              <a:buClrTx/>
+              <a:buSzTx/>
+              <a:buFontTx/>
+              <a:buNone/>
+              <a:tabLst/>
+            </a:pPr>
+            <a:endParaRPr lang="hu-HU" dirty="0"/>
+          </a:p>
+        </p:txBody>
+      </p:sp>
+      <p:pic>
+        <p:nvPicPr>
+          <p:cNvPr id="11" name="Kép 10">
+            <a:extLst>
+              <a:ext uri="{FF2B5EF4-FFF2-40B4-BE49-F238E27FC236}">
+                <a16:creationId xmlns:a16="http://schemas.microsoft.com/office/drawing/2014/main" id="{F78E3797-1E57-4EEF-9FF2-075BD80FF341}"/>
+              </a:ext>
+            </a:extLst>
+          </p:cNvPr>
+          <p:cNvPicPr>
+            <a:picLocks noChangeAspect="1"/>
+          </p:cNvPicPr>
+          <p:nvPr/>
+        </p:nvPicPr>
+        <p:blipFill>
+          <a:blip r:embed="rId2"/>
+          <a:stretch>
+            <a:fillRect/>
+          </a:stretch>
+        </p:blipFill>
+        <p:spPr>
+          <a:xfrm>
+            <a:off x="6875996" y="229416"/>
+            <a:ext cx="2088617" cy="809872"/>
+          </a:xfrm>
+          <a:prstGeom prst="rect">
+            <a:avLst/>
+          </a:prstGeom>
+        </p:spPr>
+      </p:pic>
+      <p:pic>
+        <p:nvPicPr>
+          <p:cNvPr id="26" name="Kép 25">
+            <a:extLst>
+              <a:ext uri="{FF2B5EF4-FFF2-40B4-BE49-F238E27FC236}">
+                <a16:creationId xmlns:a16="http://schemas.microsoft.com/office/drawing/2014/main" id="{4CACD826-2042-47C0-A22E-7950F8573C8C}"/>
+              </a:ext>
+            </a:extLst>
+          </p:cNvPr>
+          <p:cNvPicPr preferRelativeResize="0">
+            <a:picLocks/>
+          </p:cNvPicPr>
+          <p:nvPr/>
+        </p:nvPicPr>
+        <p:blipFill>
+          <a:blip r:embed="rId3"/>
+          <a:stretch>
+            <a:fillRect/>
+          </a:stretch>
+        </p:blipFill>
+        <p:spPr>
+          <a:xfrm rot="10800000">
+            <a:off x="5796136" y="404664"/>
+            <a:ext cx="75814" cy="45719"/>
+          </a:xfrm>
+          <a:prstGeom prst="rect">
+            <a:avLst/>
+          </a:prstGeom>
+        </p:spPr>
+      </p:pic>
     </p:spTree>
     <p:extLst>
       <p:ext uri="{BB962C8B-B14F-4D97-AF65-F5344CB8AC3E}">
@@ -4459,6 +5639,2759 @@
   <p:clrMapOvr>
     <a:masterClrMapping/>
   </p:clrMapOvr>
+  <mc:AlternateContent xmlns:mc="http://schemas.openxmlformats.org/markup-compatibility/2006" xmlns:p159="http://schemas.microsoft.com/office/powerpoint/2015/09/main">
+    <mc:Choice Requires="p159">
+      <p:transition xmlns:p14="http://schemas.microsoft.com/office/powerpoint/2010/main" spd="slow" p14:dur="4000">
+        <p159:morph option="byObject"/>
+      </p:transition>
+    </mc:Choice>
+    <mc:Fallback xmlns="">
+      <p:transition spd="slow">
+        <p:fade/>
+      </p:transition>
+    </mc:Fallback>
+  </mc:AlternateContent>
+  <p:timing>
+    <p:tnLst>
+      <p:par>
+        <p:cTn id="1" dur="indefinite" restart="never" nodeType="tmRoot">
+          <p:childTnLst>
+            <p:seq concurrent="1" nextAc="seek">
+              <p:cTn id="2" dur="indefinite" nodeType="mainSeq">
+                <p:childTnLst>
+                  <p:par>
+                    <p:cTn id="3" fill="hold">
+                      <p:stCondLst>
+                        <p:cond delay="indefinite"/>
+                        <p:cond evt="onBegin" delay="0">
+                          <p:tn val="2"/>
+                        </p:cond>
+                      </p:stCondLst>
+                      <p:childTnLst>
+                        <p:par>
+                          <p:cTn id="4" fill="hold">
+                            <p:stCondLst>
+                              <p:cond delay="0"/>
+                            </p:stCondLst>
+                            <p:childTnLst>
+                              <p:par>
+                                <p:cTn id="5" presetID="32" presetClass="emph" presetSubtype="0" repeatCount="indefinite" fill="remove" nodeType="withEffect">
+                                  <p:stCondLst>
+                                    <p:cond delay="0"/>
+                                  </p:stCondLst>
+                                  <p:childTnLst>
+                                    <p:animRot by="120000">
+                                      <p:cBhvr>
+                                        <p:cTn id="6" dur="1700" fill="hold">
+                                          <p:stCondLst>
+                                            <p:cond delay="0"/>
+                                          </p:stCondLst>
+                                        </p:cTn>
+                                        <p:tgtEl>
+                                          <p:spTgt spid="11"/>
+                                        </p:tgtEl>
+                                        <p:attrNameLst>
+                                          <p:attrName>r</p:attrName>
+                                        </p:attrNameLst>
+                                      </p:cBhvr>
+                                    </p:animRot>
+                                    <p:animRot by="-240000">
+                                      <p:cBhvr>
+                                        <p:cTn id="7" dur="3400" fill="hold">
+                                          <p:stCondLst>
+                                            <p:cond delay="3400"/>
+                                          </p:stCondLst>
+                                        </p:cTn>
+                                        <p:tgtEl>
+                                          <p:spTgt spid="11"/>
+                                        </p:tgtEl>
+                                        <p:attrNameLst>
+                                          <p:attrName>r</p:attrName>
+                                        </p:attrNameLst>
+                                      </p:cBhvr>
+                                    </p:animRot>
+                                    <p:animRot by="240000">
+                                      <p:cBhvr>
+                                        <p:cTn id="8" dur="3400" fill="hold">
+                                          <p:stCondLst>
+                                            <p:cond delay="6800"/>
+                                          </p:stCondLst>
+                                        </p:cTn>
+                                        <p:tgtEl>
+                                          <p:spTgt spid="11"/>
+                                        </p:tgtEl>
+                                        <p:attrNameLst>
+                                          <p:attrName>r</p:attrName>
+                                        </p:attrNameLst>
+                                      </p:cBhvr>
+                                    </p:animRot>
+                                    <p:animRot by="-240000">
+                                      <p:cBhvr>
+                                        <p:cTn id="9" dur="3400" fill="hold">
+                                          <p:stCondLst>
+                                            <p:cond delay="10200"/>
+                                          </p:stCondLst>
+                                        </p:cTn>
+                                        <p:tgtEl>
+                                          <p:spTgt spid="11"/>
+                                        </p:tgtEl>
+                                        <p:attrNameLst>
+                                          <p:attrName>r</p:attrName>
+                                        </p:attrNameLst>
+                                      </p:cBhvr>
+                                    </p:animRot>
+                                    <p:animRot by="120000">
+                                      <p:cBhvr>
+                                        <p:cTn id="10" dur="3400" fill="hold">
+                                          <p:stCondLst>
+                                            <p:cond delay="13600"/>
+                                          </p:stCondLst>
+                                        </p:cTn>
+                                        <p:tgtEl>
+                                          <p:spTgt spid="11"/>
+                                        </p:tgtEl>
+                                        <p:attrNameLst>
+                                          <p:attrName>r</p:attrName>
+                                        </p:attrNameLst>
+                                      </p:cBhvr>
+                                    </p:animRot>
+                                  </p:childTnLst>
+                                </p:cTn>
+                              </p:par>
+                            </p:childTnLst>
+                          </p:cTn>
+                        </p:par>
+                      </p:childTnLst>
+                    </p:cTn>
+                  </p:par>
+                  <p:par>
+                    <p:cTn id="11" fill="hold">
+                      <p:stCondLst>
+                        <p:cond delay="indefinite"/>
+                      </p:stCondLst>
+                      <p:childTnLst>
+                        <p:par>
+                          <p:cTn id="12" fill="hold">
+                            <p:stCondLst>
+                              <p:cond delay="0"/>
+                            </p:stCondLst>
+                            <p:childTnLst>
+                              <p:par>
+                                <p:cTn id="13" presetID="42" presetClass="entr" presetSubtype="0" fill="hold" nodeType="clickEffect">
+                                  <p:stCondLst>
+                                    <p:cond delay="0"/>
+                                  </p:stCondLst>
+                                  <p:childTnLst>
+                                    <p:set>
+                                      <p:cBhvr>
+                                        <p:cTn id="14" dur="1" fill="hold">
+                                          <p:stCondLst>
+                                            <p:cond delay="0"/>
+                                          </p:stCondLst>
+                                        </p:cTn>
+                                        <p:tgtEl>
+                                          <p:spTgt spid="3">
+                                            <p:txEl>
+                                              <p:pRg st="0" end="0"/>
+                                            </p:txEl>
+                                          </p:spTgt>
+                                        </p:tgtEl>
+                                        <p:attrNameLst>
+                                          <p:attrName>style.visibility</p:attrName>
+                                        </p:attrNameLst>
+                                      </p:cBhvr>
+                                      <p:to>
+                                        <p:strVal val="visible"/>
+                                      </p:to>
+                                    </p:set>
+                                    <p:animEffect transition="in" filter="fade">
+                                      <p:cBhvr>
+                                        <p:cTn id="15" dur="1000"/>
+                                        <p:tgtEl>
+                                          <p:spTgt spid="3">
+                                            <p:txEl>
+                                              <p:pRg st="0" end="0"/>
+                                            </p:txEl>
+                                          </p:spTgt>
+                                        </p:tgtEl>
+                                      </p:cBhvr>
+                                    </p:animEffect>
+                                    <p:anim calcmode="lin" valueType="num">
+                                      <p:cBhvr>
+                                        <p:cTn id="16" dur="1000" fill="hold"/>
+                                        <p:tgtEl>
+                                          <p:spTgt spid="3">
+                                            <p:txEl>
+                                              <p:pRg st="0" end="0"/>
+                                            </p:txEl>
+                                          </p:spTgt>
+                                        </p:tgtEl>
+                                        <p:attrNameLst>
+                                          <p:attrName>ppt_x</p:attrName>
+                                        </p:attrNameLst>
+                                      </p:cBhvr>
+                                      <p:tavLst>
+                                        <p:tav tm="0">
+                                          <p:val>
+                                            <p:strVal val="#ppt_x"/>
+                                          </p:val>
+                                        </p:tav>
+                                        <p:tav tm="100000">
+                                          <p:val>
+                                            <p:strVal val="#ppt_x"/>
+                                          </p:val>
+                                        </p:tav>
+                                      </p:tavLst>
+                                    </p:anim>
+                                    <p:anim calcmode="lin" valueType="num">
+                                      <p:cBhvr>
+                                        <p:cTn id="17" dur="1000" fill="hold"/>
+                                        <p:tgtEl>
+                                          <p:spTgt spid="3">
+                                            <p:txEl>
+                                              <p:pRg st="0" end="0"/>
+                                            </p:txEl>
+                                          </p:spTgt>
+                                        </p:tgtEl>
+                                        <p:attrNameLst>
+                                          <p:attrName>ppt_y</p:attrName>
+                                        </p:attrNameLst>
+                                      </p:cBhvr>
+                                      <p:tavLst>
+                                        <p:tav tm="0">
+                                          <p:val>
+                                            <p:strVal val="#ppt_y+.1"/>
+                                          </p:val>
+                                        </p:tav>
+                                        <p:tav tm="100000">
+                                          <p:val>
+                                            <p:strVal val="#ppt_y"/>
+                                          </p:val>
+                                        </p:tav>
+                                      </p:tavLst>
+                                    </p:anim>
+                                  </p:childTnLst>
+                                </p:cTn>
+                              </p:par>
+                              <p:par>
+                                <p:cTn id="18" presetID="42" presetClass="entr" presetSubtype="0" fill="hold" grpId="0" nodeType="withEffect">
+                                  <p:stCondLst>
+                                    <p:cond delay="0"/>
+                                  </p:stCondLst>
+                                  <p:childTnLst>
+                                    <p:set>
+                                      <p:cBhvr>
+                                        <p:cTn id="19" dur="1" fill="hold">
+                                          <p:stCondLst>
+                                            <p:cond delay="0"/>
+                                          </p:stCondLst>
+                                        </p:cTn>
+                                        <p:tgtEl>
+                                          <p:spTgt spid="24"/>
+                                        </p:tgtEl>
+                                        <p:attrNameLst>
+                                          <p:attrName>style.visibility</p:attrName>
+                                        </p:attrNameLst>
+                                      </p:cBhvr>
+                                      <p:to>
+                                        <p:strVal val="visible"/>
+                                      </p:to>
+                                    </p:set>
+                                    <p:animEffect transition="in" filter="fade">
+                                      <p:cBhvr>
+                                        <p:cTn id="20" dur="1000"/>
+                                        <p:tgtEl>
+                                          <p:spTgt spid="24"/>
+                                        </p:tgtEl>
+                                      </p:cBhvr>
+                                    </p:animEffect>
+                                    <p:anim calcmode="lin" valueType="num">
+                                      <p:cBhvr>
+                                        <p:cTn id="21" dur="1000" fill="hold"/>
+                                        <p:tgtEl>
+                                          <p:spTgt spid="24"/>
+                                        </p:tgtEl>
+                                        <p:attrNameLst>
+                                          <p:attrName>ppt_x</p:attrName>
+                                        </p:attrNameLst>
+                                      </p:cBhvr>
+                                      <p:tavLst>
+                                        <p:tav tm="0">
+                                          <p:val>
+                                            <p:strVal val="#ppt_x"/>
+                                          </p:val>
+                                        </p:tav>
+                                        <p:tav tm="100000">
+                                          <p:val>
+                                            <p:strVal val="#ppt_x"/>
+                                          </p:val>
+                                        </p:tav>
+                                      </p:tavLst>
+                                    </p:anim>
+                                    <p:anim calcmode="lin" valueType="num">
+                                      <p:cBhvr>
+                                        <p:cTn id="22" dur="1000" fill="hold"/>
+                                        <p:tgtEl>
+                                          <p:spTgt spid="24"/>
+                                        </p:tgtEl>
+                                        <p:attrNameLst>
+                                          <p:attrName>ppt_y</p:attrName>
+                                        </p:attrNameLst>
+                                      </p:cBhvr>
+                                      <p:tavLst>
+                                        <p:tav tm="0">
+                                          <p:val>
+                                            <p:strVal val="#ppt_y+.1"/>
+                                          </p:val>
+                                        </p:tav>
+                                        <p:tav tm="100000">
+                                          <p:val>
+                                            <p:strVal val="#ppt_y"/>
+                                          </p:val>
+                                        </p:tav>
+                                      </p:tavLst>
+                                    </p:anim>
+                                  </p:childTnLst>
+                                </p:cTn>
+                              </p:par>
+                              <p:par>
+                                <p:cTn id="23" presetID="42" presetClass="entr" presetSubtype="0" fill="hold" grpId="0" nodeType="withEffect">
+                                  <p:stCondLst>
+                                    <p:cond delay="0"/>
+                                  </p:stCondLst>
+                                  <p:childTnLst>
+                                    <p:set>
+                                      <p:cBhvr>
+                                        <p:cTn id="24" dur="1" fill="hold">
+                                          <p:stCondLst>
+                                            <p:cond delay="0"/>
+                                          </p:stCondLst>
+                                        </p:cTn>
+                                        <p:tgtEl>
+                                          <p:spTgt spid="15"/>
+                                        </p:tgtEl>
+                                        <p:attrNameLst>
+                                          <p:attrName>style.visibility</p:attrName>
+                                        </p:attrNameLst>
+                                      </p:cBhvr>
+                                      <p:to>
+                                        <p:strVal val="visible"/>
+                                      </p:to>
+                                    </p:set>
+                                    <p:animEffect transition="in" filter="fade">
+                                      <p:cBhvr>
+                                        <p:cTn id="25" dur="1000"/>
+                                        <p:tgtEl>
+                                          <p:spTgt spid="15"/>
+                                        </p:tgtEl>
+                                      </p:cBhvr>
+                                    </p:animEffect>
+                                    <p:anim calcmode="lin" valueType="num">
+                                      <p:cBhvr>
+                                        <p:cTn id="26" dur="1000" fill="hold"/>
+                                        <p:tgtEl>
+                                          <p:spTgt spid="15"/>
+                                        </p:tgtEl>
+                                        <p:attrNameLst>
+                                          <p:attrName>ppt_x</p:attrName>
+                                        </p:attrNameLst>
+                                      </p:cBhvr>
+                                      <p:tavLst>
+                                        <p:tav tm="0">
+                                          <p:val>
+                                            <p:strVal val="#ppt_x"/>
+                                          </p:val>
+                                        </p:tav>
+                                        <p:tav tm="100000">
+                                          <p:val>
+                                            <p:strVal val="#ppt_x"/>
+                                          </p:val>
+                                        </p:tav>
+                                      </p:tavLst>
+                                    </p:anim>
+                                    <p:anim calcmode="lin" valueType="num">
+                                      <p:cBhvr>
+                                        <p:cTn id="27" dur="1000" fill="hold"/>
+                                        <p:tgtEl>
+                                          <p:spTgt spid="15"/>
+                                        </p:tgtEl>
+                                        <p:attrNameLst>
+                                          <p:attrName>ppt_y</p:attrName>
+                                        </p:attrNameLst>
+                                      </p:cBhvr>
+                                      <p:tavLst>
+                                        <p:tav tm="0">
+                                          <p:val>
+                                            <p:strVal val="#ppt_y+.1"/>
+                                          </p:val>
+                                        </p:tav>
+                                        <p:tav tm="100000">
+                                          <p:val>
+                                            <p:strVal val="#ppt_y"/>
+                                          </p:val>
+                                        </p:tav>
+                                      </p:tavLst>
+                                    </p:anim>
+                                  </p:childTnLst>
+                                </p:cTn>
+                              </p:par>
+                            </p:childTnLst>
+                          </p:cTn>
+                        </p:par>
+                      </p:childTnLst>
+                    </p:cTn>
+                  </p:par>
+                  <p:par>
+                    <p:cTn id="28" fill="hold">
+                      <p:stCondLst>
+                        <p:cond delay="indefinite"/>
+                      </p:stCondLst>
+                      <p:childTnLst>
+                        <p:par>
+                          <p:cTn id="29" fill="hold">
+                            <p:stCondLst>
+                              <p:cond delay="0"/>
+                            </p:stCondLst>
+                            <p:childTnLst>
+                              <p:par>
+                                <p:cTn id="30" presetID="42" presetClass="entr" presetSubtype="0" fill="hold" nodeType="clickEffect">
+                                  <p:stCondLst>
+                                    <p:cond delay="0"/>
+                                  </p:stCondLst>
+                                  <p:childTnLst>
+                                    <p:set>
+                                      <p:cBhvr>
+                                        <p:cTn id="31" dur="1" fill="hold">
+                                          <p:stCondLst>
+                                            <p:cond delay="0"/>
+                                          </p:stCondLst>
+                                        </p:cTn>
+                                        <p:tgtEl>
+                                          <p:spTgt spid="3">
+                                            <p:txEl>
+                                              <p:pRg st="1" end="1"/>
+                                            </p:txEl>
+                                          </p:spTgt>
+                                        </p:tgtEl>
+                                        <p:attrNameLst>
+                                          <p:attrName>style.visibility</p:attrName>
+                                        </p:attrNameLst>
+                                      </p:cBhvr>
+                                      <p:to>
+                                        <p:strVal val="visible"/>
+                                      </p:to>
+                                    </p:set>
+                                    <p:animEffect transition="in" filter="fade">
+                                      <p:cBhvr>
+                                        <p:cTn id="32" dur="1000"/>
+                                        <p:tgtEl>
+                                          <p:spTgt spid="3">
+                                            <p:txEl>
+                                              <p:pRg st="1" end="1"/>
+                                            </p:txEl>
+                                          </p:spTgt>
+                                        </p:tgtEl>
+                                      </p:cBhvr>
+                                    </p:animEffect>
+                                    <p:anim calcmode="lin" valueType="num">
+                                      <p:cBhvr>
+                                        <p:cTn id="33" dur="1000" fill="hold"/>
+                                        <p:tgtEl>
+                                          <p:spTgt spid="3">
+                                            <p:txEl>
+                                              <p:pRg st="1" end="1"/>
+                                            </p:txEl>
+                                          </p:spTgt>
+                                        </p:tgtEl>
+                                        <p:attrNameLst>
+                                          <p:attrName>ppt_x</p:attrName>
+                                        </p:attrNameLst>
+                                      </p:cBhvr>
+                                      <p:tavLst>
+                                        <p:tav tm="0">
+                                          <p:val>
+                                            <p:strVal val="#ppt_x"/>
+                                          </p:val>
+                                        </p:tav>
+                                        <p:tav tm="100000">
+                                          <p:val>
+                                            <p:strVal val="#ppt_x"/>
+                                          </p:val>
+                                        </p:tav>
+                                      </p:tavLst>
+                                    </p:anim>
+                                    <p:anim calcmode="lin" valueType="num">
+                                      <p:cBhvr>
+                                        <p:cTn id="34" dur="1000" fill="hold"/>
+                                        <p:tgtEl>
+                                          <p:spTgt spid="3">
+                                            <p:txEl>
+                                              <p:pRg st="1" end="1"/>
+                                            </p:txEl>
+                                          </p:spTgt>
+                                        </p:tgtEl>
+                                        <p:attrNameLst>
+                                          <p:attrName>ppt_y</p:attrName>
+                                        </p:attrNameLst>
+                                      </p:cBhvr>
+                                      <p:tavLst>
+                                        <p:tav tm="0">
+                                          <p:val>
+                                            <p:strVal val="#ppt_y+.1"/>
+                                          </p:val>
+                                        </p:tav>
+                                        <p:tav tm="100000">
+                                          <p:val>
+                                            <p:strVal val="#ppt_y"/>
+                                          </p:val>
+                                        </p:tav>
+                                      </p:tavLst>
+                                    </p:anim>
+                                  </p:childTnLst>
+                                </p:cTn>
+                              </p:par>
+                              <p:par>
+                                <p:cTn id="35" presetID="42" presetClass="entr" presetSubtype="0" fill="hold" grpId="0" nodeType="withEffect">
+                                  <p:stCondLst>
+                                    <p:cond delay="0"/>
+                                  </p:stCondLst>
+                                  <p:childTnLst>
+                                    <p:set>
+                                      <p:cBhvr>
+                                        <p:cTn id="36" dur="1" fill="hold">
+                                          <p:stCondLst>
+                                            <p:cond delay="0"/>
+                                          </p:stCondLst>
+                                        </p:cTn>
+                                        <p:tgtEl>
+                                          <p:spTgt spid="19"/>
+                                        </p:tgtEl>
+                                        <p:attrNameLst>
+                                          <p:attrName>style.visibility</p:attrName>
+                                        </p:attrNameLst>
+                                      </p:cBhvr>
+                                      <p:to>
+                                        <p:strVal val="visible"/>
+                                      </p:to>
+                                    </p:set>
+                                    <p:animEffect transition="in" filter="fade">
+                                      <p:cBhvr>
+                                        <p:cTn id="37" dur="1000"/>
+                                        <p:tgtEl>
+                                          <p:spTgt spid="19"/>
+                                        </p:tgtEl>
+                                      </p:cBhvr>
+                                    </p:animEffect>
+                                    <p:anim calcmode="lin" valueType="num">
+                                      <p:cBhvr>
+                                        <p:cTn id="38" dur="1000" fill="hold"/>
+                                        <p:tgtEl>
+                                          <p:spTgt spid="19"/>
+                                        </p:tgtEl>
+                                        <p:attrNameLst>
+                                          <p:attrName>ppt_x</p:attrName>
+                                        </p:attrNameLst>
+                                      </p:cBhvr>
+                                      <p:tavLst>
+                                        <p:tav tm="0">
+                                          <p:val>
+                                            <p:strVal val="#ppt_x"/>
+                                          </p:val>
+                                        </p:tav>
+                                        <p:tav tm="100000">
+                                          <p:val>
+                                            <p:strVal val="#ppt_x"/>
+                                          </p:val>
+                                        </p:tav>
+                                      </p:tavLst>
+                                    </p:anim>
+                                    <p:anim calcmode="lin" valueType="num">
+                                      <p:cBhvr>
+                                        <p:cTn id="39" dur="1000" fill="hold"/>
+                                        <p:tgtEl>
+                                          <p:spTgt spid="19"/>
+                                        </p:tgtEl>
+                                        <p:attrNameLst>
+                                          <p:attrName>ppt_y</p:attrName>
+                                        </p:attrNameLst>
+                                      </p:cBhvr>
+                                      <p:tavLst>
+                                        <p:tav tm="0">
+                                          <p:val>
+                                            <p:strVal val="#ppt_y+.1"/>
+                                          </p:val>
+                                        </p:tav>
+                                        <p:tav tm="100000">
+                                          <p:val>
+                                            <p:strVal val="#ppt_y"/>
+                                          </p:val>
+                                        </p:tav>
+                                      </p:tavLst>
+                                    </p:anim>
+                                  </p:childTnLst>
+                                </p:cTn>
+                              </p:par>
+                              <p:par>
+                                <p:cTn id="40" presetID="42" presetClass="entr" presetSubtype="0" fill="hold" grpId="0" nodeType="withEffect">
+                                  <p:stCondLst>
+                                    <p:cond delay="0"/>
+                                  </p:stCondLst>
+                                  <p:childTnLst>
+                                    <p:set>
+                                      <p:cBhvr>
+                                        <p:cTn id="41" dur="1" fill="hold">
+                                          <p:stCondLst>
+                                            <p:cond delay="0"/>
+                                          </p:stCondLst>
+                                        </p:cTn>
+                                        <p:tgtEl>
+                                          <p:spTgt spid="16"/>
+                                        </p:tgtEl>
+                                        <p:attrNameLst>
+                                          <p:attrName>style.visibility</p:attrName>
+                                        </p:attrNameLst>
+                                      </p:cBhvr>
+                                      <p:to>
+                                        <p:strVal val="visible"/>
+                                      </p:to>
+                                    </p:set>
+                                    <p:animEffect transition="in" filter="fade">
+                                      <p:cBhvr>
+                                        <p:cTn id="42" dur="1000"/>
+                                        <p:tgtEl>
+                                          <p:spTgt spid="16"/>
+                                        </p:tgtEl>
+                                      </p:cBhvr>
+                                    </p:animEffect>
+                                    <p:anim calcmode="lin" valueType="num">
+                                      <p:cBhvr>
+                                        <p:cTn id="43" dur="1000" fill="hold"/>
+                                        <p:tgtEl>
+                                          <p:spTgt spid="16"/>
+                                        </p:tgtEl>
+                                        <p:attrNameLst>
+                                          <p:attrName>ppt_x</p:attrName>
+                                        </p:attrNameLst>
+                                      </p:cBhvr>
+                                      <p:tavLst>
+                                        <p:tav tm="0">
+                                          <p:val>
+                                            <p:strVal val="#ppt_x"/>
+                                          </p:val>
+                                        </p:tav>
+                                        <p:tav tm="100000">
+                                          <p:val>
+                                            <p:strVal val="#ppt_x"/>
+                                          </p:val>
+                                        </p:tav>
+                                      </p:tavLst>
+                                    </p:anim>
+                                    <p:anim calcmode="lin" valueType="num">
+                                      <p:cBhvr>
+                                        <p:cTn id="44" dur="1000" fill="hold"/>
+                                        <p:tgtEl>
+                                          <p:spTgt spid="16"/>
+                                        </p:tgtEl>
+                                        <p:attrNameLst>
+                                          <p:attrName>ppt_y</p:attrName>
+                                        </p:attrNameLst>
+                                      </p:cBhvr>
+                                      <p:tavLst>
+                                        <p:tav tm="0">
+                                          <p:val>
+                                            <p:strVal val="#ppt_y+.1"/>
+                                          </p:val>
+                                        </p:tav>
+                                        <p:tav tm="100000">
+                                          <p:val>
+                                            <p:strVal val="#ppt_y"/>
+                                          </p:val>
+                                        </p:tav>
+                                      </p:tavLst>
+                                    </p:anim>
+                                  </p:childTnLst>
+                                </p:cTn>
+                              </p:par>
+                            </p:childTnLst>
+                          </p:cTn>
+                        </p:par>
+                      </p:childTnLst>
+                    </p:cTn>
+                  </p:par>
+                  <p:par>
+                    <p:cTn id="45" fill="hold">
+                      <p:stCondLst>
+                        <p:cond delay="indefinite"/>
+                      </p:stCondLst>
+                      <p:childTnLst>
+                        <p:par>
+                          <p:cTn id="46" fill="hold">
+                            <p:stCondLst>
+                              <p:cond delay="0"/>
+                            </p:stCondLst>
+                            <p:childTnLst>
+                              <p:par>
+                                <p:cTn id="47" presetID="42" presetClass="entr" presetSubtype="0" fill="hold" nodeType="clickEffect">
+                                  <p:stCondLst>
+                                    <p:cond delay="0"/>
+                                  </p:stCondLst>
+                                  <p:childTnLst>
+                                    <p:set>
+                                      <p:cBhvr>
+                                        <p:cTn id="48" dur="1" fill="hold">
+                                          <p:stCondLst>
+                                            <p:cond delay="0"/>
+                                          </p:stCondLst>
+                                        </p:cTn>
+                                        <p:tgtEl>
+                                          <p:spTgt spid="3">
+                                            <p:txEl>
+                                              <p:pRg st="2" end="2"/>
+                                            </p:txEl>
+                                          </p:spTgt>
+                                        </p:tgtEl>
+                                        <p:attrNameLst>
+                                          <p:attrName>style.visibility</p:attrName>
+                                        </p:attrNameLst>
+                                      </p:cBhvr>
+                                      <p:to>
+                                        <p:strVal val="visible"/>
+                                      </p:to>
+                                    </p:set>
+                                    <p:animEffect transition="in" filter="fade">
+                                      <p:cBhvr>
+                                        <p:cTn id="49" dur="1000"/>
+                                        <p:tgtEl>
+                                          <p:spTgt spid="3">
+                                            <p:txEl>
+                                              <p:pRg st="2" end="2"/>
+                                            </p:txEl>
+                                          </p:spTgt>
+                                        </p:tgtEl>
+                                      </p:cBhvr>
+                                    </p:animEffect>
+                                    <p:anim calcmode="lin" valueType="num">
+                                      <p:cBhvr>
+                                        <p:cTn id="50" dur="1000" fill="hold"/>
+                                        <p:tgtEl>
+                                          <p:spTgt spid="3">
+                                            <p:txEl>
+                                              <p:pRg st="2" end="2"/>
+                                            </p:txEl>
+                                          </p:spTgt>
+                                        </p:tgtEl>
+                                        <p:attrNameLst>
+                                          <p:attrName>ppt_x</p:attrName>
+                                        </p:attrNameLst>
+                                      </p:cBhvr>
+                                      <p:tavLst>
+                                        <p:tav tm="0">
+                                          <p:val>
+                                            <p:strVal val="#ppt_x"/>
+                                          </p:val>
+                                        </p:tav>
+                                        <p:tav tm="100000">
+                                          <p:val>
+                                            <p:strVal val="#ppt_x"/>
+                                          </p:val>
+                                        </p:tav>
+                                      </p:tavLst>
+                                    </p:anim>
+                                    <p:anim calcmode="lin" valueType="num">
+                                      <p:cBhvr>
+                                        <p:cTn id="51" dur="1000" fill="hold"/>
+                                        <p:tgtEl>
+                                          <p:spTgt spid="3">
+                                            <p:txEl>
+                                              <p:pRg st="2" end="2"/>
+                                            </p:txEl>
+                                          </p:spTgt>
+                                        </p:tgtEl>
+                                        <p:attrNameLst>
+                                          <p:attrName>ppt_y</p:attrName>
+                                        </p:attrNameLst>
+                                      </p:cBhvr>
+                                      <p:tavLst>
+                                        <p:tav tm="0">
+                                          <p:val>
+                                            <p:strVal val="#ppt_y+.1"/>
+                                          </p:val>
+                                        </p:tav>
+                                        <p:tav tm="100000">
+                                          <p:val>
+                                            <p:strVal val="#ppt_y"/>
+                                          </p:val>
+                                        </p:tav>
+                                      </p:tavLst>
+                                    </p:anim>
+                                  </p:childTnLst>
+                                </p:cTn>
+                              </p:par>
+                              <p:par>
+                                <p:cTn id="52" presetID="42" presetClass="entr" presetSubtype="0" fill="hold" grpId="0" nodeType="withEffect">
+                                  <p:stCondLst>
+                                    <p:cond delay="0"/>
+                                  </p:stCondLst>
+                                  <p:childTnLst>
+                                    <p:set>
+                                      <p:cBhvr>
+                                        <p:cTn id="53" dur="1" fill="hold">
+                                          <p:stCondLst>
+                                            <p:cond delay="0"/>
+                                          </p:stCondLst>
+                                        </p:cTn>
+                                        <p:tgtEl>
+                                          <p:spTgt spid="22"/>
+                                        </p:tgtEl>
+                                        <p:attrNameLst>
+                                          <p:attrName>style.visibility</p:attrName>
+                                        </p:attrNameLst>
+                                      </p:cBhvr>
+                                      <p:to>
+                                        <p:strVal val="visible"/>
+                                      </p:to>
+                                    </p:set>
+                                    <p:animEffect transition="in" filter="fade">
+                                      <p:cBhvr>
+                                        <p:cTn id="54" dur="1000"/>
+                                        <p:tgtEl>
+                                          <p:spTgt spid="22"/>
+                                        </p:tgtEl>
+                                      </p:cBhvr>
+                                    </p:animEffect>
+                                    <p:anim calcmode="lin" valueType="num">
+                                      <p:cBhvr>
+                                        <p:cTn id="55" dur="1000" fill="hold"/>
+                                        <p:tgtEl>
+                                          <p:spTgt spid="22"/>
+                                        </p:tgtEl>
+                                        <p:attrNameLst>
+                                          <p:attrName>ppt_x</p:attrName>
+                                        </p:attrNameLst>
+                                      </p:cBhvr>
+                                      <p:tavLst>
+                                        <p:tav tm="0">
+                                          <p:val>
+                                            <p:strVal val="#ppt_x"/>
+                                          </p:val>
+                                        </p:tav>
+                                        <p:tav tm="100000">
+                                          <p:val>
+                                            <p:strVal val="#ppt_x"/>
+                                          </p:val>
+                                        </p:tav>
+                                      </p:tavLst>
+                                    </p:anim>
+                                    <p:anim calcmode="lin" valueType="num">
+                                      <p:cBhvr>
+                                        <p:cTn id="56" dur="1000" fill="hold"/>
+                                        <p:tgtEl>
+                                          <p:spTgt spid="22"/>
+                                        </p:tgtEl>
+                                        <p:attrNameLst>
+                                          <p:attrName>ppt_y</p:attrName>
+                                        </p:attrNameLst>
+                                      </p:cBhvr>
+                                      <p:tavLst>
+                                        <p:tav tm="0">
+                                          <p:val>
+                                            <p:strVal val="#ppt_y+.1"/>
+                                          </p:val>
+                                        </p:tav>
+                                        <p:tav tm="100000">
+                                          <p:val>
+                                            <p:strVal val="#ppt_y"/>
+                                          </p:val>
+                                        </p:tav>
+                                      </p:tavLst>
+                                    </p:anim>
+                                  </p:childTnLst>
+                                </p:cTn>
+                              </p:par>
+                            </p:childTnLst>
+                          </p:cTn>
+                        </p:par>
+                      </p:childTnLst>
+                    </p:cTn>
+                  </p:par>
+                  <p:par>
+                    <p:cTn id="57" fill="hold">
+                      <p:stCondLst>
+                        <p:cond delay="indefinite"/>
+                      </p:stCondLst>
+                      <p:childTnLst>
+                        <p:par>
+                          <p:cTn id="58" fill="hold">
+                            <p:stCondLst>
+                              <p:cond delay="0"/>
+                            </p:stCondLst>
+                            <p:childTnLst>
+                              <p:par>
+                                <p:cTn id="59" presetID="42" presetClass="entr" presetSubtype="0" fill="hold" nodeType="clickEffect">
+                                  <p:stCondLst>
+                                    <p:cond delay="0"/>
+                                  </p:stCondLst>
+                                  <p:childTnLst>
+                                    <p:set>
+                                      <p:cBhvr>
+                                        <p:cTn id="60" dur="1" fill="hold">
+                                          <p:stCondLst>
+                                            <p:cond delay="0"/>
+                                          </p:stCondLst>
+                                        </p:cTn>
+                                        <p:tgtEl>
+                                          <p:spTgt spid="3">
+                                            <p:txEl>
+                                              <p:pRg st="3" end="3"/>
+                                            </p:txEl>
+                                          </p:spTgt>
+                                        </p:tgtEl>
+                                        <p:attrNameLst>
+                                          <p:attrName>style.visibility</p:attrName>
+                                        </p:attrNameLst>
+                                      </p:cBhvr>
+                                      <p:to>
+                                        <p:strVal val="visible"/>
+                                      </p:to>
+                                    </p:set>
+                                    <p:animEffect transition="in" filter="fade">
+                                      <p:cBhvr>
+                                        <p:cTn id="61" dur="1000"/>
+                                        <p:tgtEl>
+                                          <p:spTgt spid="3">
+                                            <p:txEl>
+                                              <p:pRg st="3" end="3"/>
+                                            </p:txEl>
+                                          </p:spTgt>
+                                        </p:tgtEl>
+                                      </p:cBhvr>
+                                    </p:animEffect>
+                                    <p:anim calcmode="lin" valueType="num">
+                                      <p:cBhvr>
+                                        <p:cTn id="62" dur="1000" fill="hold"/>
+                                        <p:tgtEl>
+                                          <p:spTgt spid="3">
+                                            <p:txEl>
+                                              <p:pRg st="3" end="3"/>
+                                            </p:txEl>
+                                          </p:spTgt>
+                                        </p:tgtEl>
+                                        <p:attrNameLst>
+                                          <p:attrName>ppt_x</p:attrName>
+                                        </p:attrNameLst>
+                                      </p:cBhvr>
+                                      <p:tavLst>
+                                        <p:tav tm="0">
+                                          <p:val>
+                                            <p:strVal val="#ppt_x"/>
+                                          </p:val>
+                                        </p:tav>
+                                        <p:tav tm="100000">
+                                          <p:val>
+                                            <p:strVal val="#ppt_x"/>
+                                          </p:val>
+                                        </p:tav>
+                                      </p:tavLst>
+                                    </p:anim>
+                                    <p:anim calcmode="lin" valueType="num">
+                                      <p:cBhvr>
+                                        <p:cTn id="63" dur="1000" fill="hold"/>
+                                        <p:tgtEl>
+                                          <p:spTgt spid="3">
+                                            <p:txEl>
+                                              <p:pRg st="3" end="3"/>
+                                            </p:txEl>
+                                          </p:spTgt>
+                                        </p:tgtEl>
+                                        <p:attrNameLst>
+                                          <p:attrName>ppt_y</p:attrName>
+                                        </p:attrNameLst>
+                                      </p:cBhvr>
+                                      <p:tavLst>
+                                        <p:tav tm="0">
+                                          <p:val>
+                                            <p:strVal val="#ppt_y+.1"/>
+                                          </p:val>
+                                        </p:tav>
+                                        <p:tav tm="100000">
+                                          <p:val>
+                                            <p:strVal val="#ppt_y"/>
+                                          </p:val>
+                                        </p:tav>
+                                      </p:tavLst>
+                                    </p:anim>
+                                  </p:childTnLst>
+                                </p:cTn>
+                              </p:par>
+                              <p:par>
+                                <p:cTn id="64" presetID="42" presetClass="entr" presetSubtype="0" fill="hold" grpId="0" nodeType="withEffect">
+                                  <p:stCondLst>
+                                    <p:cond delay="0"/>
+                                  </p:stCondLst>
+                                  <p:childTnLst>
+                                    <p:set>
+                                      <p:cBhvr>
+                                        <p:cTn id="65" dur="1" fill="hold">
+                                          <p:stCondLst>
+                                            <p:cond delay="0"/>
+                                          </p:stCondLst>
+                                        </p:cTn>
+                                        <p:tgtEl>
+                                          <p:spTgt spid="23"/>
+                                        </p:tgtEl>
+                                        <p:attrNameLst>
+                                          <p:attrName>style.visibility</p:attrName>
+                                        </p:attrNameLst>
+                                      </p:cBhvr>
+                                      <p:to>
+                                        <p:strVal val="visible"/>
+                                      </p:to>
+                                    </p:set>
+                                    <p:animEffect transition="in" filter="fade">
+                                      <p:cBhvr>
+                                        <p:cTn id="66" dur="1000"/>
+                                        <p:tgtEl>
+                                          <p:spTgt spid="23"/>
+                                        </p:tgtEl>
+                                      </p:cBhvr>
+                                    </p:animEffect>
+                                    <p:anim calcmode="lin" valueType="num">
+                                      <p:cBhvr>
+                                        <p:cTn id="67" dur="1000" fill="hold"/>
+                                        <p:tgtEl>
+                                          <p:spTgt spid="23"/>
+                                        </p:tgtEl>
+                                        <p:attrNameLst>
+                                          <p:attrName>ppt_x</p:attrName>
+                                        </p:attrNameLst>
+                                      </p:cBhvr>
+                                      <p:tavLst>
+                                        <p:tav tm="0">
+                                          <p:val>
+                                            <p:strVal val="#ppt_x"/>
+                                          </p:val>
+                                        </p:tav>
+                                        <p:tav tm="100000">
+                                          <p:val>
+                                            <p:strVal val="#ppt_x"/>
+                                          </p:val>
+                                        </p:tav>
+                                      </p:tavLst>
+                                    </p:anim>
+                                    <p:anim calcmode="lin" valueType="num">
+                                      <p:cBhvr>
+                                        <p:cTn id="68" dur="1000" fill="hold"/>
+                                        <p:tgtEl>
+                                          <p:spTgt spid="23"/>
+                                        </p:tgtEl>
+                                        <p:attrNameLst>
+                                          <p:attrName>ppt_y</p:attrName>
+                                        </p:attrNameLst>
+                                      </p:cBhvr>
+                                      <p:tavLst>
+                                        <p:tav tm="0">
+                                          <p:val>
+                                            <p:strVal val="#ppt_y+.1"/>
+                                          </p:val>
+                                        </p:tav>
+                                        <p:tav tm="100000">
+                                          <p:val>
+                                            <p:strVal val="#ppt_y"/>
+                                          </p:val>
+                                        </p:tav>
+                                      </p:tavLst>
+                                    </p:anim>
+                                  </p:childTnLst>
+                                </p:cTn>
+                              </p:par>
+                              <p:par>
+                                <p:cTn id="69" presetID="42" presetClass="entr" presetSubtype="0" fill="hold" grpId="0" nodeType="withEffect">
+                                  <p:stCondLst>
+                                    <p:cond delay="0"/>
+                                  </p:stCondLst>
+                                  <p:childTnLst>
+                                    <p:set>
+                                      <p:cBhvr>
+                                        <p:cTn id="70" dur="1" fill="hold">
+                                          <p:stCondLst>
+                                            <p:cond delay="0"/>
+                                          </p:stCondLst>
+                                        </p:cTn>
+                                        <p:tgtEl>
+                                          <p:spTgt spid="17"/>
+                                        </p:tgtEl>
+                                        <p:attrNameLst>
+                                          <p:attrName>style.visibility</p:attrName>
+                                        </p:attrNameLst>
+                                      </p:cBhvr>
+                                      <p:to>
+                                        <p:strVal val="visible"/>
+                                      </p:to>
+                                    </p:set>
+                                    <p:animEffect transition="in" filter="fade">
+                                      <p:cBhvr>
+                                        <p:cTn id="71" dur="1000"/>
+                                        <p:tgtEl>
+                                          <p:spTgt spid="17"/>
+                                        </p:tgtEl>
+                                      </p:cBhvr>
+                                    </p:animEffect>
+                                    <p:anim calcmode="lin" valueType="num">
+                                      <p:cBhvr>
+                                        <p:cTn id="72" dur="1000" fill="hold"/>
+                                        <p:tgtEl>
+                                          <p:spTgt spid="17"/>
+                                        </p:tgtEl>
+                                        <p:attrNameLst>
+                                          <p:attrName>ppt_x</p:attrName>
+                                        </p:attrNameLst>
+                                      </p:cBhvr>
+                                      <p:tavLst>
+                                        <p:tav tm="0">
+                                          <p:val>
+                                            <p:strVal val="#ppt_x"/>
+                                          </p:val>
+                                        </p:tav>
+                                        <p:tav tm="100000">
+                                          <p:val>
+                                            <p:strVal val="#ppt_x"/>
+                                          </p:val>
+                                        </p:tav>
+                                      </p:tavLst>
+                                    </p:anim>
+                                    <p:anim calcmode="lin" valueType="num">
+                                      <p:cBhvr>
+                                        <p:cTn id="73" dur="1000" fill="hold"/>
+                                        <p:tgtEl>
+                                          <p:spTgt spid="17"/>
+                                        </p:tgtEl>
+                                        <p:attrNameLst>
+                                          <p:attrName>ppt_y</p:attrName>
+                                        </p:attrNameLst>
+                                      </p:cBhvr>
+                                      <p:tavLst>
+                                        <p:tav tm="0">
+                                          <p:val>
+                                            <p:strVal val="#ppt_y+.1"/>
+                                          </p:val>
+                                        </p:tav>
+                                        <p:tav tm="100000">
+                                          <p:val>
+                                            <p:strVal val="#ppt_y"/>
+                                          </p:val>
+                                        </p:tav>
+                                      </p:tavLst>
+                                    </p:anim>
+                                  </p:childTnLst>
+                                </p:cTn>
+                              </p:par>
+                              <p:par>
+                                <p:cTn id="74" presetID="42" presetClass="entr" presetSubtype="0" fill="hold" grpId="0" nodeType="withEffect">
+                                  <p:stCondLst>
+                                    <p:cond delay="0"/>
+                                  </p:stCondLst>
+                                  <p:childTnLst>
+                                    <p:set>
+                                      <p:cBhvr>
+                                        <p:cTn id="75" dur="1" fill="hold">
+                                          <p:stCondLst>
+                                            <p:cond delay="0"/>
+                                          </p:stCondLst>
+                                        </p:cTn>
+                                        <p:tgtEl>
+                                          <p:spTgt spid="20"/>
+                                        </p:tgtEl>
+                                        <p:attrNameLst>
+                                          <p:attrName>style.visibility</p:attrName>
+                                        </p:attrNameLst>
+                                      </p:cBhvr>
+                                      <p:to>
+                                        <p:strVal val="visible"/>
+                                      </p:to>
+                                    </p:set>
+                                    <p:animEffect transition="in" filter="fade">
+                                      <p:cBhvr>
+                                        <p:cTn id="76" dur="1000"/>
+                                        <p:tgtEl>
+                                          <p:spTgt spid="20"/>
+                                        </p:tgtEl>
+                                      </p:cBhvr>
+                                    </p:animEffect>
+                                    <p:anim calcmode="lin" valueType="num">
+                                      <p:cBhvr>
+                                        <p:cTn id="77" dur="1000" fill="hold"/>
+                                        <p:tgtEl>
+                                          <p:spTgt spid="20"/>
+                                        </p:tgtEl>
+                                        <p:attrNameLst>
+                                          <p:attrName>ppt_x</p:attrName>
+                                        </p:attrNameLst>
+                                      </p:cBhvr>
+                                      <p:tavLst>
+                                        <p:tav tm="0">
+                                          <p:val>
+                                            <p:strVal val="#ppt_x"/>
+                                          </p:val>
+                                        </p:tav>
+                                        <p:tav tm="100000">
+                                          <p:val>
+                                            <p:strVal val="#ppt_x"/>
+                                          </p:val>
+                                        </p:tav>
+                                      </p:tavLst>
+                                    </p:anim>
+                                    <p:anim calcmode="lin" valueType="num">
+                                      <p:cBhvr>
+                                        <p:cTn id="78" dur="1000" fill="hold"/>
+                                        <p:tgtEl>
+                                          <p:spTgt spid="20"/>
+                                        </p:tgtEl>
+                                        <p:attrNameLst>
+                                          <p:attrName>ppt_y</p:attrName>
+                                        </p:attrNameLst>
+                                      </p:cBhvr>
+                                      <p:tavLst>
+                                        <p:tav tm="0">
+                                          <p:val>
+                                            <p:strVal val="#ppt_y+.1"/>
+                                          </p:val>
+                                        </p:tav>
+                                        <p:tav tm="100000">
+                                          <p:val>
+                                            <p:strVal val="#ppt_y"/>
+                                          </p:val>
+                                        </p:tav>
+                                      </p:tavLst>
+                                    </p:anim>
+                                  </p:childTnLst>
+                                </p:cTn>
+                              </p:par>
+                              <p:par>
+                                <p:cTn id="79" presetID="42" presetClass="entr" presetSubtype="0" fill="hold" grpId="0" nodeType="withEffect">
+                                  <p:stCondLst>
+                                    <p:cond delay="0"/>
+                                  </p:stCondLst>
+                                  <p:childTnLst>
+                                    <p:set>
+                                      <p:cBhvr>
+                                        <p:cTn id="80" dur="1" fill="hold">
+                                          <p:stCondLst>
+                                            <p:cond delay="0"/>
+                                          </p:stCondLst>
+                                        </p:cTn>
+                                        <p:tgtEl>
+                                          <p:spTgt spid="18"/>
+                                        </p:tgtEl>
+                                        <p:attrNameLst>
+                                          <p:attrName>style.visibility</p:attrName>
+                                        </p:attrNameLst>
+                                      </p:cBhvr>
+                                      <p:to>
+                                        <p:strVal val="visible"/>
+                                      </p:to>
+                                    </p:set>
+                                    <p:animEffect transition="in" filter="fade">
+                                      <p:cBhvr>
+                                        <p:cTn id="81" dur="1000"/>
+                                        <p:tgtEl>
+                                          <p:spTgt spid="18"/>
+                                        </p:tgtEl>
+                                      </p:cBhvr>
+                                    </p:animEffect>
+                                    <p:anim calcmode="lin" valueType="num">
+                                      <p:cBhvr>
+                                        <p:cTn id="82" dur="1000" fill="hold"/>
+                                        <p:tgtEl>
+                                          <p:spTgt spid="18"/>
+                                        </p:tgtEl>
+                                        <p:attrNameLst>
+                                          <p:attrName>ppt_x</p:attrName>
+                                        </p:attrNameLst>
+                                      </p:cBhvr>
+                                      <p:tavLst>
+                                        <p:tav tm="0">
+                                          <p:val>
+                                            <p:strVal val="#ppt_x"/>
+                                          </p:val>
+                                        </p:tav>
+                                        <p:tav tm="100000">
+                                          <p:val>
+                                            <p:strVal val="#ppt_x"/>
+                                          </p:val>
+                                        </p:tav>
+                                      </p:tavLst>
+                                    </p:anim>
+                                    <p:anim calcmode="lin" valueType="num">
+                                      <p:cBhvr>
+                                        <p:cTn id="83" dur="1000" fill="hold"/>
+                                        <p:tgtEl>
+                                          <p:spTgt spid="18"/>
+                                        </p:tgtEl>
+                                        <p:attrNameLst>
+                                          <p:attrName>ppt_y</p:attrName>
+                                        </p:attrNameLst>
+                                      </p:cBhvr>
+                                      <p:tavLst>
+                                        <p:tav tm="0">
+                                          <p:val>
+                                            <p:strVal val="#ppt_y+.1"/>
+                                          </p:val>
+                                        </p:tav>
+                                        <p:tav tm="100000">
+                                          <p:val>
+                                            <p:strVal val="#ppt_y"/>
+                                          </p:val>
+                                        </p:tav>
+                                      </p:tavLst>
+                                    </p:anim>
+                                  </p:childTnLst>
+                                </p:cTn>
+                              </p:par>
+                              <p:par>
+                                <p:cTn id="84" presetID="42" presetClass="entr" presetSubtype="0" fill="hold" grpId="0" nodeType="withEffect">
+                                  <p:stCondLst>
+                                    <p:cond delay="0"/>
+                                  </p:stCondLst>
+                                  <p:childTnLst>
+                                    <p:set>
+                                      <p:cBhvr>
+                                        <p:cTn id="85" dur="1" fill="hold">
+                                          <p:stCondLst>
+                                            <p:cond delay="0"/>
+                                          </p:stCondLst>
+                                        </p:cTn>
+                                        <p:tgtEl>
+                                          <p:spTgt spid="21"/>
+                                        </p:tgtEl>
+                                        <p:attrNameLst>
+                                          <p:attrName>style.visibility</p:attrName>
+                                        </p:attrNameLst>
+                                      </p:cBhvr>
+                                      <p:to>
+                                        <p:strVal val="visible"/>
+                                      </p:to>
+                                    </p:set>
+                                    <p:animEffect transition="in" filter="fade">
+                                      <p:cBhvr>
+                                        <p:cTn id="86" dur="1000"/>
+                                        <p:tgtEl>
+                                          <p:spTgt spid="21"/>
+                                        </p:tgtEl>
+                                      </p:cBhvr>
+                                    </p:animEffect>
+                                    <p:anim calcmode="lin" valueType="num">
+                                      <p:cBhvr>
+                                        <p:cTn id="87" dur="1000" fill="hold"/>
+                                        <p:tgtEl>
+                                          <p:spTgt spid="21"/>
+                                        </p:tgtEl>
+                                        <p:attrNameLst>
+                                          <p:attrName>ppt_x</p:attrName>
+                                        </p:attrNameLst>
+                                      </p:cBhvr>
+                                      <p:tavLst>
+                                        <p:tav tm="0">
+                                          <p:val>
+                                            <p:strVal val="#ppt_x"/>
+                                          </p:val>
+                                        </p:tav>
+                                        <p:tav tm="100000">
+                                          <p:val>
+                                            <p:strVal val="#ppt_x"/>
+                                          </p:val>
+                                        </p:tav>
+                                      </p:tavLst>
+                                    </p:anim>
+                                    <p:anim calcmode="lin" valueType="num">
+                                      <p:cBhvr>
+                                        <p:cTn id="88" dur="1000" fill="hold"/>
+                                        <p:tgtEl>
+                                          <p:spTgt spid="21"/>
+                                        </p:tgtEl>
+                                        <p:attrNameLst>
+                                          <p:attrName>ppt_y</p:attrName>
+                                        </p:attrNameLst>
+                                      </p:cBhvr>
+                                      <p:tavLst>
+                                        <p:tav tm="0">
+                                          <p:val>
+                                            <p:strVal val="#ppt_y+.1"/>
+                                          </p:val>
+                                        </p:tav>
+                                        <p:tav tm="100000">
+                                          <p:val>
+                                            <p:strVal val="#ppt_y"/>
+                                          </p:val>
+                                        </p:tav>
+                                      </p:tavLst>
+                                    </p:anim>
+                                  </p:childTnLst>
+                                </p:cTn>
+                              </p:par>
+                              <p:par>
+                                <p:cTn id="89" presetID="42" presetClass="entr" presetSubtype="0" fill="hold" nodeType="withEffect">
+                                  <p:stCondLst>
+                                    <p:cond delay="0"/>
+                                  </p:stCondLst>
+                                  <p:childTnLst>
+                                    <p:set>
+                                      <p:cBhvr>
+                                        <p:cTn id="90" dur="1" fill="hold">
+                                          <p:stCondLst>
+                                            <p:cond delay="0"/>
+                                          </p:stCondLst>
+                                        </p:cTn>
+                                        <p:tgtEl>
+                                          <p:spTgt spid="3">
+                                            <p:txEl>
+                                              <p:pRg st="4" end="4"/>
+                                            </p:txEl>
+                                          </p:spTgt>
+                                        </p:tgtEl>
+                                        <p:attrNameLst>
+                                          <p:attrName>style.visibility</p:attrName>
+                                        </p:attrNameLst>
+                                      </p:cBhvr>
+                                      <p:to>
+                                        <p:strVal val="visible"/>
+                                      </p:to>
+                                    </p:set>
+                                    <p:animEffect transition="in" filter="fade">
+                                      <p:cBhvr>
+                                        <p:cTn id="91" dur="1000"/>
+                                        <p:tgtEl>
+                                          <p:spTgt spid="3">
+                                            <p:txEl>
+                                              <p:pRg st="4" end="4"/>
+                                            </p:txEl>
+                                          </p:spTgt>
+                                        </p:tgtEl>
+                                      </p:cBhvr>
+                                    </p:animEffect>
+                                    <p:anim calcmode="lin" valueType="num">
+                                      <p:cBhvr>
+                                        <p:cTn id="92" dur="1000" fill="hold"/>
+                                        <p:tgtEl>
+                                          <p:spTgt spid="3">
+                                            <p:txEl>
+                                              <p:pRg st="4" end="4"/>
+                                            </p:txEl>
+                                          </p:spTgt>
+                                        </p:tgtEl>
+                                        <p:attrNameLst>
+                                          <p:attrName>ppt_x</p:attrName>
+                                        </p:attrNameLst>
+                                      </p:cBhvr>
+                                      <p:tavLst>
+                                        <p:tav tm="0">
+                                          <p:val>
+                                            <p:strVal val="#ppt_x"/>
+                                          </p:val>
+                                        </p:tav>
+                                        <p:tav tm="100000">
+                                          <p:val>
+                                            <p:strVal val="#ppt_x"/>
+                                          </p:val>
+                                        </p:tav>
+                                      </p:tavLst>
+                                    </p:anim>
+                                    <p:anim calcmode="lin" valueType="num">
+                                      <p:cBhvr>
+                                        <p:cTn id="93" dur="1000" fill="hold"/>
+                                        <p:tgtEl>
+                                          <p:spTgt spid="3">
+                                            <p:txEl>
+                                              <p:pRg st="4" end="4"/>
+                                            </p:txEl>
+                                          </p:spTgt>
+                                        </p:tgtEl>
+                                        <p:attrNameLst>
+                                          <p:attrName>ppt_y</p:attrName>
+                                        </p:attrNameLst>
+                                      </p:cBhvr>
+                                      <p:tavLst>
+                                        <p:tav tm="0">
+                                          <p:val>
+                                            <p:strVal val="#ppt_y+.1"/>
+                                          </p:val>
+                                        </p:tav>
+                                        <p:tav tm="100000">
+                                          <p:val>
+                                            <p:strVal val="#ppt_y"/>
+                                          </p:val>
+                                        </p:tav>
+                                      </p:tavLst>
+                                    </p:anim>
+                                  </p:childTnLst>
+                                </p:cTn>
+                              </p:par>
+                            </p:childTnLst>
+                          </p:cTn>
+                        </p:par>
+                      </p:childTnLst>
+                    </p:cTn>
+                  </p:par>
+                  <p:par>
+                    <p:cTn id="94" fill="hold">
+                      <p:stCondLst>
+                        <p:cond delay="indefinite"/>
+                      </p:stCondLst>
+                      <p:childTnLst>
+                        <p:par>
+                          <p:cTn id="95" fill="hold">
+                            <p:stCondLst>
+                              <p:cond delay="0"/>
+                            </p:stCondLst>
+                            <p:childTnLst>
+                              <p:par>
+                                <p:cTn id="96" presetID="42" presetClass="entr" presetSubtype="0" fill="hold" nodeType="clickEffect">
+                                  <p:stCondLst>
+                                    <p:cond delay="0"/>
+                                  </p:stCondLst>
+                                  <p:childTnLst>
+                                    <p:set>
+                                      <p:cBhvr>
+                                        <p:cTn id="97" dur="1" fill="hold">
+                                          <p:stCondLst>
+                                            <p:cond delay="0"/>
+                                          </p:stCondLst>
+                                        </p:cTn>
+                                        <p:tgtEl>
+                                          <p:spTgt spid="3">
+                                            <p:txEl>
+                                              <p:pRg st="5" end="5"/>
+                                            </p:txEl>
+                                          </p:spTgt>
+                                        </p:tgtEl>
+                                        <p:attrNameLst>
+                                          <p:attrName>style.visibility</p:attrName>
+                                        </p:attrNameLst>
+                                      </p:cBhvr>
+                                      <p:to>
+                                        <p:strVal val="visible"/>
+                                      </p:to>
+                                    </p:set>
+                                    <p:animEffect transition="in" filter="fade">
+                                      <p:cBhvr>
+                                        <p:cTn id="98" dur="1000"/>
+                                        <p:tgtEl>
+                                          <p:spTgt spid="3">
+                                            <p:txEl>
+                                              <p:pRg st="5" end="5"/>
+                                            </p:txEl>
+                                          </p:spTgt>
+                                        </p:tgtEl>
+                                      </p:cBhvr>
+                                    </p:animEffect>
+                                    <p:anim calcmode="lin" valueType="num">
+                                      <p:cBhvr>
+                                        <p:cTn id="99" dur="1000" fill="hold"/>
+                                        <p:tgtEl>
+                                          <p:spTgt spid="3">
+                                            <p:txEl>
+                                              <p:pRg st="5" end="5"/>
+                                            </p:txEl>
+                                          </p:spTgt>
+                                        </p:tgtEl>
+                                        <p:attrNameLst>
+                                          <p:attrName>ppt_x</p:attrName>
+                                        </p:attrNameLst>
+                                      </p:cBhvr>
+                                      <p:tavLst>
+                                        <p:tav tm="0">
+                                          <p:val>
+                                            <p:strVal val="#ppt_x"/>
+                                          </p:val>
+                                        </p:tav>
+                                        <p:tav tm="100000">
+                                          <p:val>
+                                            <p:strVal val="#ppt_x"/>
+                                          </p:val>
+                                        </p:tav>
+                                      </p:tavLst>
+                                    </p:anim>
+                                    <p:anim calcmode="lin" valueType="num">
+                                      <p:cBhvr>
+                                        <p:cTn id="100" dur="1000" fill="hold"/>
+                                        <p:tgtEl>
+                                          <p:spTgt spid="3">
+                                            <p:txEl>
+                                              <p:pRg st="5" end="5"/>
+                                            </p:txEl>
+                                          </p:spTgt>
+                                        </p:tgtEl>
+                                        <p:attrNameLst>
+                                          <p:attrName>ppt_y</p:attrName>
+                                        </p:attrNameLst>
+                                      </p:cBhvr>
+                                      <p:tavLst>
+                                        <p:tav tm="0">
+                                          <p:val>
+                                            <p:strVal val="#ppt_y+.1"/>
+                                          </p:val>
+                                        </p:tav>
+                                        <p:tav tm="100000">
+                                          <p:val>
+                                            <p:strVal val="#ppt_y"/>
+                                          </p:val>
+                                        </p:tav>
+                                      </p:tavLst>
+                                    </p:anim>
+                                  </p:childTnLst>
+                                </p:cTn>
+                              </p:par>
+                              <p:par>
+                                <p:cTn id="101" presetID="42" presetClass="entr" presetSubtype="0" fill="hold" grpId="0" nodeType="withEffect">
+                                  <p:stCondLst>
+                                    <p:cond delay="0"/>
+                                  </p:stCondLst>
+                                  <p:childTnLst>
+                                    <p:set>
+                                      <p:cBhvr>
+                                        <p:cTn id="102" dur="1" fill="hold">
+                                          <p:stCondLst>
+                                            <p:cond delay="0"/>
+                                          </p:stCondLst>
+                                        </p:cTn>
+                                        <p:tgtEl>
+                                          <p:spTgt spid="25"/>
+                                        </p:tgtEl>
+                                        <p:attrNameLst>
+                                          <p:attrName>style.visibility</p:attrName>
+                                        </p:attrNameLst>
+                                      </p:cBhvr>
+                                      <p:to>
+                                        <p:strVal val="visible"/>
+                                      </p:to>
+                                    </p:set>
+                                    <p:animEffect transition="in" filter="fade">
+                                      <p:cBhvr>
+                                        <p:cTn id="103" dur="1000"/>
+                                        <p:tgtEl>
+                                          <p:spTgt spid="25"/>
+                                        </p:tgtEl>
+                                      </p:cBhvr>
+                                    </p:animEffect>
+                                    <p:anim calcmode="lin" valueType="num">
+                                      <p:cBhvr>
+                                        <p:cTn id="104" dur="1000" fill="hold"/>
+                                        <p:tgtEl>
+                                          <p:spTgt spid="25"/>
+                                        </p:tgtEl>
+                                        <p:attrNameLst>
+                                          <p:attrName>ppt_x</p:attrName>
+                                        </p:attrNameLst>
+                                      </p:cBhvr>
+                                      <p:tavLst>
+                                        <p:tav tm="0">
+                                          <p:val>
+                                            <p:strVal val="#ppt_x"/>
+                                          </p:val>
+                                        </p:tav>
+                                        <p:tav tm="100000">
+                                          <p:val>
+                                            <p:strVal val="#ppt_x"/>
+                                          </p:val>
+                                        </p:tav>
+                                      </p:tavLst>
+                                    </p:anim>
+                                    <p:anim calcmode="lin" valueType="num">
+                                      <p:cBhvr>
+                                        <p:cTn id="105" dur="1000" fill="hold"/>
+                                        <p:tgtEl>
+                                          <p:spTgt spid="25"/>
+                                        </p:tgtEl>
+                                        <p:attrNameLst>
+                                          <p:attrName>ppt_y</p:attrName>
+                                        </p:attrNameLst>
+                                      </p:cBhvr>
+                                      <p:tavLst>
+                                        <p:tav tm="0">
+                                          <p:val>
+                                            <p:strVal val="#ppt_y+.1"/>
+                                          </p:val>
+                                        </p:tav>
+                                        <p:tav tm="100000">
+                                          <p:val>
+                                            <p:strVal val="#ppt_y"/>
+                                          </p:val>
+                                        </p:tav>
+                                      </p:tavLst>
+                                    </p:anim>
+                                  </p:childTnLst>
+                                </p:cTn>
+                              </p:par>
+                            </p:childTnLst>
+                          </p:cTn>
+                        </p:par>
+                      </p:childTnLst>
+                    </p:cTn>
+                  </p:par>
+                  <p:par>
+                    <p:cTn id="106" fill="hold">
+                      <p:stCondLst>
+                        <p:cond delay="indefinite"/>
+                      </p:stCondLst>
+                      <p:childTnLst>
+                        <p:par>
+                          <p:cTn id="107" fill="hold">
+                            <p:stCondLst>
+                              <p:cond delay="0"/>
+                            </p:stCondLst>
+                            <p:childTnLst>
+                              <p:par>
+                                <p:cTn id="108" presetID="42" presetClass="entr" presetSubtype="0" fill="hold" nodeType="clickEffect">
+                                  <p:stCondLst>
+                                    <p:cond delay="0"/>
+                                  </p:stCondLst>
+                                  <p:childTnLst>
+                                    <p:set>
+                                      <p:cBhvr>
+                                        <p:cTn id="109" dur="1" fill="hold">
+                                          <p:stCondLst>
+                                            <p:cond delay="0"/>
+                                          </p:stCondLst>
+                                        </p:cTn>
+                                        <p:tgtEl>
+                                          <p:spTgt spid="3">
+                                            <p:txEl>
+                                              <p:pRg st="6" end="6"/>
+                                            </p:txEl>
+                                          </p:spTgt>
+                                        </p:tgtEl>
+                                        <p:attrNameLst>
+                                          <p:attrName>style.visibility</p:attrName>
+                                        </p:attrNameLst>
+                                      </p:cBhvr>
+                                      <p:to>
+                                        <p:strVal val="visible"/>
+                                      </p:to>
+                                    </p:set>
+                                    <p:animEffect transition="in" filter="fade">
+                                      <p:cBhvr>
+                                        <p:cTn id="110" dur="1000"/>
+                                        <p:tgtEl>
+                                          <p:spTgt spid="3">
+                                            <p:txEl>
+                                              <p:pRg st="6" end="6"/>
+                                            </p:txEl>
+                                          </p:spTgt>
+                                        </p:tgtEl>
+                                      </p:cBhvr>
+                                    </p:animEffect>
+                                    <p:anim calcmode="lin" valueType="num">
+                                      <p:cBhvr>
+                                        <p:cTn id="111" dur="1000" fill="hold"/>
+                                        <p:tgtEl>
+                                          <p:spTgt spid="3">
+                                            <p:txEl>
+                                              <p:pRg st="6" end="6"/>
+                                            </p:txEl>
+                                          </p:spTgt>
+                                        </p:tgtEl>
+                                        <p:attrNameLst>
+                                          <p:attrName>ppt_x</p:attrName>
+                                        </p:attrNameLst>
+                                      </p:cBhvr>
+                                      <p:tavLst>
+                                        <p:tav tm="0">
+                                          <p:val>
+                                            <p:strVal val="#ppt_x"/>
+                                          </p:val>
+                                        </p:tav>
+                                        <p:tav tm="100000">
+                                          <p:val>
+                                            <p:strVal val="#ppt_x"/>
+                                          </p:val>
+                                        </p:tav>
+                                      </p:tavLst>
+                                    </p:anim>
+                                    <p:anim calcmode="lin" valueType="num">
+                                      <p:cBhvr>
+                                        <p:cTn id="112" dur="1000" fill="hold"/>
+                                        <p:tgtEl>
+                                          <p:spTgt spid="3">
+                                            <p:txEl>
+                                              <p:pRg st="6" end="6"/>
+                                            </p:txEl>
+                                          </p:spTgt>
+                                        </p:tgtEl>
+                                        <p:attrNameLst>
+                                          <p:attrName>ppt_y</p:attrName>
+                                        </p:attrNameLst>
+                                      </p:cBhvr>
+                                      <p:tavLst>
+                                        <p:tav tm="0">
+                                          <p:val>
+                                            <p:strVal val="#ppt_y+.1"/>
+                                          </p:val>
+                                        </p:tav>
+                                        <p:tav tm="100000">
+                                          <p:val>
+                                            <p:strVal val="#ppt_y"/>
+                                          </p:val>
+                                        </p:tav>
+                                      </p:tavLst>
+                                    </p:anim>
+                                  </p:childTnLst>
+                                </p:cTn>
+                              </p:par>
+                              <p:par>
+                                <p:cTn id="113" presetID="42" presetClass="entr" presetSubtype="0" fill="hold" grpId="0" nodeType="withEffect">
+                                  <p:stCondLst>
+                                    <p:cond delay="0"/>
+                                  </p:stCondLst>
+                                  <p:childTnLst>
+                                    <p:set>
+                                      <p:cBhvr>
+                                        <p:cTn id="114" dur="1" fill="hold">
+                                          <p:stCondLst>
+                                            <p:cond delay="0"/>
+                                          </p:stCondLst>
+                                        </p:cTn>
+                                        <p:tgtEl>
+                                          <p:spTgt spid="7"/>
+                                        </p:tgtEl>
+                                        <p:attrNameLst>
+                                          <p:attrName>style.visibility</p:attrName>
+                                        </p:attrNameLst>
+                                      </p:cBhvr>
+                                      <p:to>
+                                        <p:strVal val="visible"/>
+                                      </p:to>
+                                    </p:set>
+                                    <p:animEffect transition="in" filter="fade">
+                                      <p:cBhvr>
+                                        <p:cTn id="115" dur="1000"/>
+                                        <p:tgtEl>
+                                          <p:spTgt spid="7"/>
+                                        </p:tgtEl>
+                                      </p:cBhvr>
+                                    </p:animEffect>
+                                    <p:anim calcmode="lin" valueType="num">
+                                      <p:cBhvr>
+                                        <p:cTn id="116" dur="1000" fill="hold"/>
+                                        <p:tgtEl>
+                                          <p:spTgt spid="7"/>
+                                        </p:tgtEl>
+                                        <p:attrNameLst>
+                                          <p:attrName>ppt_x</p:attrName>
+                                        </p:attrNameLst>
+                                      </p:cBhvr>
+                                      <p:tavLst>
+                                        <p:tav tm="0">
+                                          <p:val>
+                                            <p:strVal val="#ppt_x"/>
+                                          </p:val>
+                                        </p:tav>
+                                        <p:tav tm="100000">
+                                          <p:val>
+                                            <p:strVal val="#ppt_x"/>
+                                          </p:val>
+                                        </p:tav>
+                                      </p:tavLst>
+                                    </p:anim>
+                                    <p:anim calcmode="lin" valueType="num">
+                                      <p:cBhvr>
+                                        <p:cTn id="117" dur="1000" fill="hold"/>
+                                        <p:tgtEl>
+                                          <p:spTgt spid="7"/>
+                                        </p:tgtEl>
+                                        <p:attrNameLst>
+                                          <p:attrName>ppt_y</p:attrName>
+                                        </p:attrNameLst>
+                                      </p:cBhvr>
+                                      <p:tavLst>
+                                        <p:tav tm="0">
+                                          <p:val>
+                                            <p:strVal val="#ppt_y+.1"/>
+                                          </p:val>
+                                        </p:tav>
+                                        <p:tav tm="100000">
+                                          <p:val>
+                                            <p:strVal val="#ppt_y"/>
+                                          </p:val>
+                                        </p:tav>
+                                      </p:tavLst>
+                                    </p:anim>
+                                  </p:childTnLst>
+                                </p:cTn>
+                              </p:par>
+                            </p:childTnLst>
+                          </p:cTn>
+                        </p:par>
+                      </p:childTnLst>
+                    </p:cTn>
+                  </p:par>
+                </p:childTnLst>
+              </p:cTn>
+              <p:prevCondLst>
+                <p:cond evt="onPrev" delay="0">
+                  <p:tgtEl>
+                    <p:sldTgt/>
+                  </p:tgtEl>
+                </p:cond>
+              </p:prevCondLst>
+              <p:nextCondLst>
+                <p:cond evt="onNext" delay="0">
+                  <p:tgtEl>
+                    <p:sldTgt/>
+                  </p:tgtEl>
+                </p:cond>
+              </p:nextCondLst>
+            </p:seq>
+          </p:childTnLst>
+        </p:cTn>
+      </p:par>
+    </p:tnLst>
+    <p:bldLst>
+      <p:bldP spid="7" grpId="0" animBg="1"/>
+      <p:bldP spid="15" grpId="0" animBg="1"/>
+      <p:bldP spid="16" grpId="0" animBg="1"/>
+      <p:bldP spid="17" grpId="0" animBg="1"/>
+      <p:bldP spid="18" grpId="0" animBg="1"/>
+      <p:bldP spid="19" grpId="0" animBg="1"/>
+      <p:bldP spid="20" grpId="0" animBg="1"/>
+      <p:bldP spid="21" grpId="0" animBg="1"/>
+      <p:bldP spid="22" grpId="0" animBg="1"/>
+      <p:bldP spid="23" grpId="0" animBg="1"/>
+      <p:bldP spid="24" grpId="0" animBg="1"/>
+      <p:bldP spid="25" grpId="0" animBg="1"/>
+    </p:bldLst>
+  </p:timing>
+</p:sld>
+</file>
+
+<file path=ppt/slides/slide4.xml><?xml version="1.0" encoding="utf-8"?>
+<p:sld xmlns:a="http://schemas.openxmlformats.org/drawingml/2006/main" xmlns:r="http://schemas.openxmlformats.org/officeDocument/2006/relationships" xmlns:p="http://schemas.openxmlformats.org/presentationml/2006/main">
+  <p:cSld>
+    <p:spTree>
+      <p:nvGrpSpPr>
+        <p:cNvPr id="1" name=""/>
+        <p:cNvGrpSpPr/>
+        <p:nvPr/>
+      </p:nvGrpSpPr>
+      <p:grpSpPr>
+        <a:xfrm>
+          <a:off x="0" y="0"/>
+          <a:ext cx="0" cy="0"/>
+          <a:chOff x="0" y="0"/>
+          <a:chExt cx="0" cy="0"/>
+        </a:xfrm>
+      </p:grpSpPr>
+      <p:sp>
+        <p:nvSpPr>
+          <p:cNvPr id="2" name="Cím 1">
+            <a:extLst>
+              <a:ext uri="{FF2B5EF4-FFF2-40B4-BE49-F238E27FC236}">
+                <a16:creationId xmlns:a16="http://schemas.microsoft.com/office/drawing/2014/main" id="{08796AB6-D564-4C45-8D42-1BF09688E8B2}"/>
+              </a:ext>
+            </a:extLst>
+          </p:cNvPr>
+          <p:cNvSpPr>
+            <a:spLocks noGrp="1"/>
+          </p:cNvSpPr>
+          <p:nvPr>
+            <p:ph type="ctrTitle"/>
+          </p:nvPr>
+        </p:nvSpPr>
+        <p:spPr>
+          <a:xfrm>
+            <a:off x="827584" y="1123950"/>
+            <a:ext cx="7306766" cy="1109663"/>
+          </a:xfrm>
+        </p:spPr>
+        <p:txBody>
+          <a:bodyPr/>
+          <a:lstStyle/>
+          <a:p>
+            <a:r>
+              <a:rPr lang="hu-HU" sz="4400" b="0" i="1" dirty="0">
+                <a:latin typeface="Minecraft" panose="00000500000000000000" pitchFamily="50" charset="0"/>
+              </a:rPr>
+              <a:t>Köszönjük kedves figyelmüket!</a:t>
+            </a:r>
+          </a:p>
+        </p:txBody>
+      </p:sp>
+      <p:sp>
+        <p:nvSpPr>
+          <p:cNvPr id="5" name="Téglalap 4">
+            <a:extLst>
+              <a:ext uri="{FF2B5EF4-FFF2-40B4-BE49-F238E27FC236}">
+                <a16:creationId xmlns:a16="http://schemas.microsoft.com/office/drawing/2014/main" id="{B3B1DA2E-8E08-4F26-ADE0-B996B1363C98}"/>
+              </a:ext>
+            </a:extLst>
+          </p:cNvPr>
+          <p:cNvSpPr/>
+          <p:nvPr/>
+        </p:nvSpPr>
+        <p:spPr bwMode="auto">
+          <a:xfrm rot="5400000">
+            <a:off x="2739392" y="4253496"/>
+            <a:ext cx="90016" cy="25200"/>
+          </a:xfrm>
+          <a:prstGeom prst="rect">
+            <a:avLst/>
+          </a:prstGeom>
+          <a:solidFill>
+            <a:schemeClr val="tx1"/>
+          </a:solidFill>
+          <a:ln w="9525" cap="flat" cmpd="sng" algn="ctr">
+            <a:solidFill>
+              <a:schemeClr val="tx1"/>
+            </a:solidFill>
+            <a:prstDash val="solid"/>
+            <a:round/>
+            <a:headEnd type="none" w="med" len="med"/>
+            <a:tailEnd type="none" w="med" len="med"/>
+          </a:ln>
+          <a:effectLst/>
+          <a:extLst/>
+        </p:spPr>
+        <p:txBody>
+          <a:bodyPr vert="horz" wrap="square" lIns="91440" tIns="45720" rIns="91440" bIns="45720" numCol="1" rtlCol="0" anchor="t" anchorCtr="0" compatLnSpc="1">
+            <a:prstTxWarp prst="textNoShape">
+              <a:avLst/>
+            </a:prstTxWarp>
+          </a:bodyPr>
+          <a:lstStyle/>
+          <a:p>
+            <a:pPr marL="0" marR="0" indent="0" algn="l" defTabSz="914400" rtl="0" eaLnBrk="1" fontAlgn="base" latinLnBrk="0" hangingPunct="1">
+              <a:lnSpc>
+                <a:spcPct val="100000"/>
+              </a:lnSpc>
+              <a:spcBef>
+                <a:spcPct val="0"/>
+              </a:spcBef>
+              <a:spcAft>
+                <a:spcPct val="0"/>
+              </a:spcAft>
+              <a:buClrTx/>
+              <a:buSzTx/>
+              <a:buFontTx/>
+              <a:buNone/>
+              <a:tabLst/>
+            </a:pPr>
+            <a:endParaRPr lang="hu-HU" dirty="0"/>
+          </a:p>
+        </p:txBody>
+      </p:sp>
+      <p:sp>
+        <p:nvSpPr>
+          <p:cNvPr id="20" name="Téglalap 19">
+            <a:extLst>
+              <a:ext uri="{FF2B5EF4-FFF2-40B4-BE49-F238E27FC236}">
+                <a16:creationId xmlns:a16="http://schemas.microsoft.com/office/drawing/2014/main" id="{38E6D1FE-1D41-4489-9DD0-70A116E32A1A}"/>
+              </a:ext>
+            </a:extLst>
+          </p:cNvPr>
+          <p:cNvSpPr/>
+          <p:nvPr/>
+        </p:nvSpPr>
+        <p:spPr bwMode="auto">
+          <a:xfrm>
+            <a:off x="3059832" y="3933056"/>
+            <a:ext cx="90016" cy="25200"/>
+          </a:xfrm>
+          <a:prstGeom prst="rect">
+            <a:avLst/>
+          </a:prstGeom>
+          <a:solidFill>
+            <a:schemeClr val="tx1"/>
+          </a:solidFill>
+          <a:ln w="9525" cap="flat" cmpd="sng" algn="ctr">
+            <a:solidFill>
+              <a:schemeClr val="tx1"/>
+            </a:solidFill>
+            <a:prstDash val="solid"/>
+            <a:round/>
+            <a:headEnd type="none" w="med" len="med"/>
+            <a:tailEnd type="none" w="med" len="med"/>
+          </a:ln>
+          <a:effectLst/>
+          <a:extLst/>
+        </p:spPr>
+        <p:txBody>
+          <a:bodyPr vert="horz" wrap="square" lIns="91440" tIns="45720" rIns="91440" bIns="45720" numCol="1" rtlCol="0" anchor="t" anchorCtr="0" compatLnSpc="1">
+            <a:prstTxWarp prst="textNoShape">
+              <a:avLst/>
+            </a:prstTxWarp>
+          </a:bodyPr>
+          <a:lstStyle/>
+          <a:p>
+            <a:pPr marL="0" marR="0" indent="0" algn="l" defTabSz="914400" rtl="0" eaLnBrk="1" fontAlgn="base" latinLnBrk="0" hangingPunct="1">
+              <a:lnSpc>
+                <a:spcPct val="100000"/>
+              </a:lnSpc>
+              <a:spcBef>
+                <a:spcPct val="0"/>
+              </a:spcBef>
+              <a:spcAft>
+                <a:spcPct val="0"/>
+              </a:spcAft>
+              <a:buClrTx/>
+              <a:buSzTx/>
+              <a:buFontTx/>
+              <a:buNone/>
+              <a:tabLst/>
+            </a:pPr>
+            <a:endParaRPr lang="hu-HU" dirty="0"/>
+          </a:p>
+        </p:txBody>
+      </p:sp>
+      <p:sp>
+        <p:nvSpPr>
+          <p:cNvPr id="21" name="Téglalap 20">
+            <a:extLst>
+              <a:ext uri="{FF2B5EF4-FFF2-40B4-BE49-F238E27FC236}">
+                <a16:creationId xmlns:a16="http://schemas.microsoft.com/office/drawing/2014/main" id="{EE07865A-BEDB-4E6E-9458-95F749AC8CBC}"/>
+              </a:ext>
+            </a:extLst>
+          </p:cNvPr>
+          <p:cNvSpPr/>
+          <p:nvPr/>
+        </p:nvSpPr>
+        <p:spPr bwMode="auto">
+          <a:xfrm>
+            <a:off x="3419872" y="3933056"/>
+            <a:ext cx="90016" cy="25200"/>
+          </a:xfrm>
+          <a:prstGeom prst="rect">
+            <a:avLst/>
+          </a:prstGeom>
+          <a:solidFill>
+            <a:schemeClr val="tx1"/>
+          </a:solidFill>
+          <a:ln w="9525" cap="flat" cmpd="sng" algn="ctr">
+            <a:solidFill>
+              <a:schemeClr val="tx1"/>
+            </a:solidFill>
+            <a:prstDash val="solid"/>
+            <a:round/>
+            <a:headEnd type="none" w="med" len="med"/>
+            <a:tailEnd type="none" w="med" len="med"/>
+          </a:ln>
+          <a:effectLst/>
+          <a:extLst/>
+        </p:spPr>
+        <p:txBody>
+          <a:bodyPr vert="horz" wrap="square" lIns="91440" tIns="45720" rIns="91440" bIns="45720" numCol="1" rtlCol="0" anchor="t" anchorCtr="0" compatLnSpc="1">
+            <a:prstTxWarp prst="textNoShape">
+              <a:avLst/>
+            </a:prstTxWarp>
+          </a:bodyPr>
+          <a:lstStyle/>
+          <a:p>
+            <a:pPr marL="0" marR="0" indent="0" algn="l" defTabSz="914400" rtl="0" eaLnBrk="1" fontAlgn="base" latinLnBrk="0" hangingPunct="1">
+              <a:lnSpc>
+                <a:spcPct val="100000"/>
+              </a:lnSpc>
+              <a:spcBef>
+                <a:spcPct val="0"/>
+              </a:spcBef>
+              <a:spcAft>
+                <a:spcPct val="0"/>
+              </a:spcAft>
+              <a:buClrTx/>
+              <a:buSzTx/>
+              <a:buFontTx/>
+              <a:buNone/>
+              <a:tabLst/>
+            </a:pPr>
+            <a:endParaRPr lang="hu-HU" dirty="0"/>
+          </a:p>
+        </p:txBody>
+      </p:sp>
+      <p:sp>
+        <p:nvSpPr>
+          <p:cNvPr id="22" name="Téglalap 21">
+            <a:extLst>
+              <a:ext uri="{FF2B5EF4-FFF2-40B4-BE49-F238E27FC236}">
+                <a16:creationId xmlns:a16="http://schemas.microsoft.com/office/drawing/2014/main" id="{840663AA-97E5-4557-8799-1323752720A3}"/>
+              </a:ext>
+            </a:extLst>
+          </p:cNvPr>
+          <p:cNvSpPr/>
+          <p:nvPr/>
+        </p:nvSpPr>
+        <p:spPr bwMode="auto">
+          <a:xfrm>
+            <a:off x="3563888" y="3915441"/>
+            <a:ext cx="90016" cy="25200"/>
+          </a:xfrm>
+          <a:prstGeom prst="rect">
+            <a:avLst/>
+          </a:prstGeom>
+          <a:solidFill>
+            <a:schemeClr val="tx1"/>
+          </a:solidFill>
+          <a:ln w="9525" cap="flat" cmpd="sng" algn="ctr">
+            <a:solidFill>
+              <a:schemeClr val="tx1"/>
+            </a:solidFill>
+            <a:prstDash val="solid"/>
+            <a:round/>
+            <a:headEnd type="none" w="med" len="med"/>
+            <a:tailEnd type="none" w="med" len="med"/>
+          </a:ln>
+          <a:effectLst/>
+          <a:extLst/>
+        </p:spPr>
+        <p:txBody>
+          <a:bodyPr vert="horz" wrap="square" lIns="91440" tIns="45720" rIns="91440" bIns="45720" numCol="1" rtlCol="0" anchor="t" anchorCtr="0" compatLnSpc="1">
+            <a:prstTxWarp prst="textNoShape">
+              <a:avLst/>
+            </a:prstTxWarp>
+          </a:bodyPr>
+          <a:lstStyle/>
+          <a:p>
+            <a:pPr marL="0" marR="0" indent="0" algn="l" defTabSz="914400" rtl="0" eaLnBrk="1" fontAlgn="base" latinLnBrk="0" hangingPunct="1">
+              <a:lnSpc>
+                <a:spcPct val="100000"/>
+              </a:lnSpc>
+              <a:spcBef>
+                <a:spcPct val="0"/>
+              </a:spcBef>
+              <a:spcAft>
+                <a:spcPct val="0"/>
+              </a:spcAft>
+              <a:buClrTx/>
+              <a:buSzTx/>
+              <a:buFontTx/>
+              <a:buNone/>
+              <a:tabLst/>
+            </a:pPr>
+            <a:endParaRPr lang="hu-HU" dirty="0"/>
+          </a:p>
+        </p:txBody>
+      </p:sp>
+      <p:sp>
+        <p:nvSpPr>
+          <p:cNvPr id="23" name="Téglalap 22">
+            <a:extLst>
+              <a:ext uri="{FF2B5EF4-FFF2-40B4-BE49-F238E27FC236}">
+                <a16:creationId xmlns:a16="http://schemas.microsoft.com/office/drawing/2014/main" id="{B394F12D-918F-4A2C-B04D-1BF0EB470E95}"/>
+              </a:ext>
+            </a:extLst>
+          </p:cNvPr>
+          <p:cNvSpPr/>
+          <p:nvPr/>
+        </p:nvSpPr>
+        <p:spPr bwMode="auto">
+          <a:xfrm>
+            <a:off x="3698900" y="3956056"/>
+            <a:ext cx="90016" cy="25200"/>
+          </a:xfrm>
+          <a:prstGeom prst="rect">
+            <a:avLst/>
+          </a:prstGeom>
+          <a:solidFill>
+            <a:schemeClr val="tx1"/>
+          </a:solidFill>
+          <a:ln w="9525" cap="flat" cmpd="sng" algn="ctr">
+            <a:solidFill>
+              <a:schemeClr val="tx1"/>
+            </a:solidFill>
+            <a:prstDash val="solid"/>
+            <a:round/>
+            <a:headEnd type="none" w="med" len="med"/>
+            <a:tailEnd type="none" w="med" len="med"/>
+          </a:ln>
+          <a:effectLst/>
+          <a:extLst/>
+        </p:spPr>
+        <p:txBody>
+          <a:bodyPr vert="horz" wrap="square" lIns="91440" tIns="45720" rIns="91440" bIns="45720" numCol="1" rtlCol="0" anchor="t" anchorCtr="0" compatLnSpc="1">
+            <a:prstTxWarp prst="textNoShape">
+              <a:avLst/>
+            </a:prstTxWarp>
+          </a:bodyPr>
+          <a:lstStyle/>
+          <a:p>
+            <a:pPr marL="0" marR="0" indent="0" algn="l" defTabSz="914400" rtl="0" eaLnBrk="1" fontAlgn="base" latinLnBrk="0" hangingPunct="1">
+              <a:lnSpc>
+                <a:spcPct val="100000"/>
+              </a:lnSpc>
+              <a:spcBef>
+                <a:spcPct val="0"/>
+              </a:spcBef>
+              <a:spcAft>
+                <a:spcPct val="0"/>
+              </a:spcAft>
+              <a:buClrTx/>
+              <a:buSzTx/>
+              <a:buFontTx/>
+              <a:buNone/>
+              <a:tabLst/>
+            </a:pPr>
+            <a:endParaRPr lang="hu-HU" dirty="0"/>
+          </a:p>
+        </p:txBody>
+      </p:sp>
+      <p:sp>
+        <p:nvSpPr>
+          <p:cNvPr id="24" name="Téglalap 23">
+            <a:extLst>
+              <a:ext uri="{FF2B5EF4-FFF2-40B4-BE49-F238E27FC236}">
+                <a16:creationId xmlns:a16="http://schemas.microsoft.com/office/drawing/2014/main" id="{527A4E3E-F86B-4967-B58B-7CD7CF5E5FA2}"/>
+              </a:ext>
+            </a:extLst>
+          </p:cNvPr>
+          <p:cNvSpPr/>
+          <p:nvPr/>
+        </p:nvSpPr>
+        <p:spPr bwMode="auto">
+          <a:xfrm>
+            <a:off x="3923928" y="3943145"/>
+            <a:ext cx="90016" cy="25200"/>
+          </a:xfrm>
+          <a:prstGeom prst="rect">
+            <a:avLst/>
+          </a:prstGeom>
+          <a:solidFill>
+            <a:schemeClr val="tx1"/>
+          </a:solidFill>
+          <a:ln w="9525" cap="flat" cmpd="sng" algn="ctr">
+            <a:solidFill>
+              <a:schemeClr val="tx1"/>
+            </a:solidFill>
+            <a:prstDash val="solid"/>
+            <a:round/>
+            <a:headEnd type="none" w="med" len="med"/>
+            <a:tailEnd type="none" w="med" len="med"/>
+          </a:ln>
+          <a:effectLst/>
+          <a:extLst/>
+        </p:spPr>
+        <p:txBody>
+          <a:bodyPr vert="horz" wrap="square" lIns="91440" tIns="45720" rIns="91440" bIns="45720" numCol="1" rtlCol="0" anchor="t" anchorCtr="0" compatLnSpc="1">
+            <a:prstTxWarp prst="textNoShape">
+              <a:avLst/>
+            </a:prstTxWarp>
+          </a:bodyPr>
+          <a:lstStyle/>
+          <a:p>
+            <a:pPr marL="0" marR="0" indent="0" algn="l" defTabSz="914400" rtl="0" eaLnBrk="1" fontAlgn="base" latinLnBrk="0" hangingPunct="1">
+              <a:lnSpc>
+                <a:spcPct val="100000"/>
+              </a:lnSpc>
+              <a:spcBef>
+                <a:spcPct val="0"/>
+              </a:spcBef>
+              <a:spcAft>
+                <a:spcPct val="0"/>
+              </a:spcAft>
+              <a:buClrTx/>
+              <a:buSzTx/>
+              <a:buFontTx/>
+              <a:buNone/>
+              <a:tabLst/>
+            </a:pPr>
+            <a:endParaRPr lang="hu-HU" dirty="0"/>
+          </a:p>
+        </p:txBody>
+      </p:sp>
+      <p:sp>
+        <p:nvSpPr>
+          <p:cNvPr id="25" name="Téglalap 24">
+            <a:extLst>
+              <a:ext uri="{FF2B5EF4-FFF2-40B4-BE49-F238E27FC236}">
+                <a16:creationId xmlns:a16="http://schemas.microsoft.com/office/drawing/2014/main" id="{F12526D4-A0D1-4619-BEAE-0FFE87512760}"/>
+              </a:ext>
+            </a:extLst>
+          </p:cNvPr>
+          <p:cNvSpPr/>
+          <p:nvPr/>
+        </p:nvSpPr>
+        <p:spPr bwMode="auto">
+          <a:xfrm>
+            <a:off x="6804248" y="3890241"/>
+            <a:ext cx="90016" cy="25200"/>
+          </a:xfrm>
+          <a:prstGeom prst="rect">
+            <a:avLst/>
+          </a:prstGeom>
+          <a:solidFill>
+            <a:schemeClr val="tx1"/>
+          </a:solidFill>
+          <a:ln w="9525" cap="flat" cmpd="sng" algn="ctr">
+            <a:solidFill>
+              <a:schemeClr val="tx1"/>
+            </a:solidFill>
+            <a:prstDash val="solid"/>
+            <a:round/>
+            <a:headEnd type="none" w="med" len="med"/>
+            <a:tailEnd type="none" w="med" len="med"/>
+          </a:ln>
+          <a:effectLst/>
+          <a:extLst/>
+        </p:spPr>
+        <p:txBody>
+          <a:bodyPr vert="horz" wrap="square" lIns="91440" tIns="45720" rIns="91440" bIns="45720" numCol="1" rtlCol="0" anchor="t" anchorCtr="0" compatLnSpc="1">
+            <a:prstTxWarp prst="textNoShape">
+              <a:avLst/>
+            </a:prstTxWarp>
+          </a:bodyPr>
+          <a:lstStyle/>
+          <a:p>
+            <a:pPr marL="0" marR="0" indent="0" algn="l" defTabSz="914400" rtl="0" eaLnBrk="1" fontAlgn="base" latinLnBrk="0" hangingPunct="1">
+              <a:lnSpc>
+                <a:spcPct val="100000"/>
+              </a:lnSpc>
+              <a:spcBef>
+                <a:spcPct val="0"/>
+              </a:spcBef>
+              <a:spcAft>
+                <a:spcPct val="0"/>
+              </a:spcAft>
+              <a:buClrTx/>
+              <a:buSzTx/>
+              <a:buFontTx/>
+              <a:buNone/>
+              <a:tabLst/>
+            </a:pPr>
+            <a:endParaRPr lang="hu-HU" dirty="0"/>
+          </a:p>
+        </p:txBody>
+      </p:sp>
+      <p:sp>
+        <p:nvSpPr>
+          <p:cNvPr id="26" name="Téglalap 25">
+            <a:extLst>
+              <a:ext uri="{FF2B5EF4-FFF2-40B4-BE49-F238E27FC236}">
+                <a16:creationId xmlns:a16="http://schemas.microsoft.com/office/drawing/2014/main" id="{113F552B-9D12-49B5-B89C-5DDDCAE88701}"/>
+              </a:ext>
+            </a:extLst>
+          </p:cNvPr>
+          <p:cNvSpPr/>
+          <p:nvPr/>
+        </p:nvSpPr>
+        <p:spPr bwMode="auto">
+          <a:xfrm>
+            <a:off x="8264040" y="4132323"/>
+            <a:ext cx="90016" cy="25200"/>
+          </a:xfrm>
+          <a:prstGeom prst="rect">
+            <a:avLst/>
+          </a:prstGeom>
+          <a:solidFill>
+            <a:schemeClr val="tx1"/>
+          </a:solidFill>
+          <a:ln w="9525" cap="flat" cmpd="sng" algn="ctr">
+            <a:solidFill>
+              <a:schemeClr val="tx1"/>
+            </a:solidFill>
+            <a:prstDash val="solid"/>
+            <a:round/>
+            <a:headEnd type="none" w="med" len="med"/>
+            <a:tailEnd type="none" w="med" len="med"/>
+          </a:ln>
+          <a:effectLst/>
+          <a:extLst/>
+        </p:spPr>
+        <p:txBody>
+          <a:bodyPr vert="horz" wrap="square" lIns="91440" tIns="45720" rIns="91440" bIns="45720" numCol="1" rtlCol="0" anchor="t" anchorCtr="0" compatLnSpc="1">
+            <a:prstTxWarp prst="textNoShape">
+              <a:avLst/>
+            </a:prstTxWarp>
+          </a:bodyPr>
+          <a:lstStyle/>
+          <a:p>
+            <a:pPr marL="0" marR="0" indent="0" algn="l" defTabSz="914400" rtl="0" eaLnBrk="1" fontAlgn="base" latinLnBrk="0" hangingPunct="1">
+              <a:lnSpc>
+                <a:spcPct val="100000"/>
+              </a:lnSpc>
+              <a:spcBef>
+                <a:spcPct val="0"/>
+              </a:spcBef>
+              <a:spcAft>
+                <a:spcPct val="0"/>
+              </a:spcAft>
+              <a:buClrTx/>
+              <a:buSzTx/>
+              <a:buFontTx/>
+              <a:buNone/>
+              <a:tabLst/>
+            </a:pPr>
+            <a:endParaRPr lang="hu-HU" dirty="0"/>
+          </a:p>
+        </p:txBody>
+      </p:sp>
+      <p:sp>
+        <p:nvSpPr>
+          <p:cNvPr id="27" name="Téglalap 26">
+            <a:extLst>
+              <a:ext uri="{FF2B5EF4-FFF2-40B4-BE49-F238E27FC236}">
+                <a16:creationId xmlns:a16="http://schemas.microsoft.com/office/drawing/2014/main" id="{AEE92193-3E54-4DB4-A245-5BF471D1D079}"/>
+              </a:ext>
+            </a:extLst>
+          </p:cNvPr>
+          <p:cNvSpPr/>
+          <p:nvPr/>
+        </p:nvSpPr>
+        <p:spPr bwMode="auto">
+          <a:xfrm>
+            <a:off x="7812360" y="4136501"/>
+            <a:ext cx="90016" cy="25200"/>
+          </a:xfrm>
+          <a:prstGeom prst="rect">
+            <a:avLst/>
+          </a:prstGeom>
+          <a:solidFill>
+            <a:schemeClr val="tx1"/>
+          </a:solidFill>
+          <a:ln w="9525" cap="flat" cmpd="sng" algn="ctr">
+            <a:solidFill>
+              <a:schemeClr val="tx1"/>
+            </a:solidFill>
+            <a:prstDash val="solid"/>
+            <a:round/>
+            <a:headEnd type="none" w="med" len="med"/>
+            <a:tailEnd type="none" w="med" len="med"/>
+          </a:ln>
+          <a:effectLst/>
+          <a:extLst/>
+        </p:spPr>
+        <p:txBody>
+          <a:bodyPr vert="horz" wrap="square" lIns="91440" tIns="45720" rIns="91440" bIns="45720" numCol="1" rtlCol="0" anchor="t" anchorCtr="0" compatLnSpc="1">
+            <a:prstTxWarp prst="textNoShape">
+              <a:avLst/>
+            </a:prstTxWarp>
+          </a:bodyPr>
+          <a:lstStyle/>
+          <a:p>
+            <a:pPr marL="0" marR="0" indent="0" algn="l" defTabSz="914400" rtl="0" eaLnBrk="1" fontAlgn="base" latinLnBrk="0" hangingPunct="1">
+              <a:lnSpc>
+                <a:spcPct val="100000"/>
+              </a:lnSpc>
+              <a:spcBef>
+                <a:spcPct val="0"/>
+              </a:spcBef>
+              <a:spcAft>
+                <a:spcPct val="0"/>
+              </a:spcAft>
+              <a:buClrTx/>
+              <a:buSzTx/>
+              <a:buFontTx/>
+              <a:buNone/>
+              <a:tabLst/>
+            </a:pPr>
+            <a:endParaRPr lang="hu-HU" dirty="0"/>
+          </a:p>
+        </p:txBody>
+      </p:sp>
+      <p:sp>
+        <p:nvSpPr>
+          <p:cNvPr id="28" name="Téglalap 27">
+            <a:extLst>
+              <a:ext uri="{FF2B5EF4-FFF2-40B4-BE49-F238E27FC236}">
+                <a16:creationId xmlns:a16="http://schemas.microsoft.com/office/drawing/2014/main" id="{B3AB74F3-3698-4188-BE9F-6DF9859CC32A}"/>
+              </a:ext>
+            </a:extLst>
+          </p:cNvPr>
+          <p:cNvSpPr/>
+          <p:nvPr/>
+        </p:nvSpPr>
+        <p:spPr bwMode="auto">
+          <a:xfrm>
+            <a:off x="8029766" y="4144923"/>
+            <a:ext cx="90016" cy="25200"/>
+          </a:xfrm>
+          <a:prstGeom prst="rect">
+            <a:avLst/>
+          </a:prstGeom>
+          <a:solidFill>
+            <a:schemeClr val="tx1"/>
+          </a:solidFill>
+          <a:ln w="9525" cap="flat" cmpd="sng" algn="ctr">
+            <a:solidFill>
+              <a:schemeClr val="tx1"/>
+            </a:solidFill>
+            <a:prstDash val="solid"/>
+            <a:round/>
+            <a:headEnd type="none" w="med" len="med"/>
+            <a:tailEnd type="none" w="med" len="med"/>
+          </a:ln>
+          <a:effectLst/>
+          <a:extLst/>
+        </p:spPr>
+        <p:txBody>
+          <a:bodyPr vert="horz" wrap="square" lIns="91440" tIns="45720" rIns="91440" bIns="45720" numCol="1" rtlCol="0" anchor="t" anchorCtr="0" compatLnSpc="1">
+            <a:prstTxWarp prst="textNoShape">
+              <a:avLst/>
+            </a:prstTxWarp>
+          </a:bodyPr>
+          <a:lstStyle/>
+          <a:p>
+            <a:pPr marL="0" marR="0" indent="0" algn="l" defTabSz="914400" rtl="0" eaLnBrk="1" fontAlgn="base" latinLnBrk="0" hangingPunct="1">
+              <a:lnSpc>
+                <a:spcPct val="100000"/>
+              </a:lnSpc>
+              <a:spcBef>
+                <a:spcPct val="0"/>
+              </a:spcBef>
+              <a:spcAft>
+                <a:spcPct val="0"/>
+              </a:spcAft>
+              <a:buClrTx/>
+              <a:buSzTx/>
+              <a:buFontTx/>
+              <a:buNone/>
+              <a:tabLst/>
+            </a:pPr>
+            <a:endParaRPr lang="hu-HU" dirty="0"/>
+          </a:p>
+        </p:txBody>
+      </p:sp>
+      <p:sp>
+        <p:nvSpPr>
+          <p:cNvPr id="29" name="Téglalap 28">
+            <a:extLst>
+              <a:ext uri="{FF2B5EF4-FFF2-40B4-BE49-F238E27FC236}">
+                <a16:creationId xmlns:a16="http://schemas.microsoft.com/office/drawing/2014/main" id="{5EACE7F7-DDA3-441D-B468-1B53C30C8990}"/>
+              </a:ext>
+            </a:extLst>
+          </p:cNvPr>
+          <p:cNvSpPr/>
+          <p:nvPr/>
+        </p:nvSpPr>
+        <p:spPr bwMode="auto">
+          <a:xfrm>
+            <a:off x="7658649" y="4132323"/>
+            <a:ext cx="90016" cy="25200"/>
+          </a:xfrm>
+          <a:prstGeom prst="rect">
+            <a:avLst/>
+          </a:prstGeom>
+          <a:solidFill>
+            <a:schemeClr val="tx1"/>
+          </a:solidFill>
+          <a:ln w="9525" cap="flat" cmpd="sng" algn="ctr">
+            <a:solidFill>
+              <a:schemeClr val="tx1"/>
+            </a:solidFill>
+            <a:prstDash val="solid"/>
+            <a:round/>
+            <a:headEnd type="none" w="med" len="med"/>
+            <a:tailEnd type="none" w="med" len="med"/>
+          </a:ln>
+          <a:effectLst/>
+          <a:extLst/>
+        </p:spPr>
+        <p:txBody>
+          <a:bodyPr vert="horz" wrap="square" lIns="91440" tIns="45720" rIns="91440" bIns="45720" numCol="1" rtlCol="0" anchor="t" anchorCtr="0" compatLnSpc="1">
+            <a:prstTxWarp prst="textNoShape">
+              <a:avLst/>
+            </a:prstTxWarp>
+          </a:bodyPr>
+          <a:lstStyle/>
+          <a:p>
+            <a:pPr marL="0" marR="0" indent="0" algn="l" defTabSz="914400" rtl="0" eaLnBrk="1" fontAlgn="base" latinLnBrk="0" hangingPunct="1">
+              <a:lnSpc>
+                <a:spcPct val="100000"/>
+              </a:lnSpc>
+              <a:spcBef>
+                <a:spcPct val="0"/>
+              </a:spcBef>
+              <a:spcAft>
+                <a:spcPct val="0"/>
+              </a:spcAft>
+              <a:buClrTx/>
+              <a:buSzTx/>
+              <a:buFontTx/>
+              <a:buNone/>
+              <a:tabLst/>
+            </a:pPr>
+            <a:endParaRPr lang="hu-HU" dirty="0"/>
+          </a:p>
+        </p:txBody>
+      </p:sp>
+      <p:sp>
+        <p:nvSpPr>
+          <p:cNvPr id="30" name="Téglalap 29">
+            <a:extLst>
+              <a:ext uri="{FF2B5EF4-FFF2-40B4-BE49-F238E27FC236}">
+                <a16:creationId xmlns:a16="http://schemas.microsoft.com/office/drawing/2014/main" id="{B594E776-C1E2-4DB7-91F7-D5117A11E06D}"/>
+              </a:ext>
+            </a:extLst>
+          </p:cNvPr>
+          <p:cNvSpPr/>
+          <p:nvPr/>
+        </p:nvSpPr>
+        <p:spPr bwMode="auto">
+          <a:xfrm rot="3863723">
+            <a:off x="4629814" y="4661365"/>
+            <a:ext cx="90016" cy="25200"/>
+          </a:xfrm>
+          <a:prstGeom prst="rect">
+            <a:avLst/>
+          </a:prstGeom>
+          <a:solidFill>
+            <a:schemeClr val="tx1"/>
+          </a:solidFill>
+          <a:ln w="9525" cap="flat" cmpd="sng" algn="ctr">
+            <a:solidFill>
+              <a:schemeClr val="tx1"/>
+            </a:solidFill>
+            <a:prstDash val="solid"/>
+            <a:round/>
+            <a:headEnd type="none" w="med" len="med"/>
+            <a:tailEnd type="none" w="med" len="med"/>
+          </a:ln>
+          <a:effectLst/>
+          <a:extLst/>
+        </p:spPr>
+        <p:txBody>
+          <a:bodyPr vert="horz" wrap="square" lIns="91440" tIns="45720" rIns="91440" bIns="45720" numCol="1" rtlCol="0" anchor="t" anchorCtr="0" compatLnSpc="1">
+            <a:prstTxWarp prst="textNoShape">
+              <a:avLst/>
+            </a:prstTxWarp>
+          </a:bodyPr>
+          <a:lstStyle/>
+          <a:p>
+            <a:pPr marL="0" marR="0" indent="0" algn="l" defTabSz="914400" rtl="0" eaLnBrk="1" fontAlgn="base" latinLnBrk="0" hangingPunct="1">
+              <a:lnSpc>
+                <a:spcPct val="100000"/>
+              </a:lnSpc>
+              <a:spcBef>
+                <a:spcPct val="0"/>
+              </a:spcBef>
+              <a:spcAft>
+                <a:spcPct val="0"/>
+              </a:spcAft>
+              <a:buClrTx/>
+              <a:buSzTx/>
+              <a:buFontTx/>
+              <a:buNone/>
+              <a:tabLst/>
+            </a:pPr>
+            <a:endParaRPr lang="hu-HU" dirty="0"/>
+          </a:p>
+        </p:txBody>
+      </p:sp>
+    </p:spTree>
+    <p:extLst>
+      <p:ext uri="{BB962C8B-B14F-4D97-AF65-F5344CB8AC3E}">
+        <p14:creationId xmlns:p14="http://schemas.microsoft.com/office/powerpoint/2010/main" val="879347184"/>
+      </p:ext>
+    </p:extLst>
+  </p:cSld>
+  <p:clrMapOvr>
+    <a:masterClrMapping/>
+  </p:clrMapOvr>
+  <mc:AlternateContent xmlns:mc="http://schemas.openxmlformats.org/markup-compatibility/2006" xmlns:p159="http://schemas.microsoft.com/office/powerpoint/2015/09/main">
+    <mc:Choice Requires="p159">
+      <p:transition xmlns:p14="http://schemas.microsoft.com/office/powerpoint/2010/main" spd="slow" p14:dur="4000">
+        <p159:morph option="byObject"/>
+      </p:transition>
+    </mc:Choice>
+    <mc:Fallback xmlns="">
+      <p:transition spd="slow">
+        <p:fade/>
+      </p:transition>
+    </mc:Fallback>
+  </mc:AlternateContent>
 </p:sld>
 </file>
 

--- a/2022-2023/Vatera fegyverbolt.pptx
+++ b/2022-2023/Vatera fegyverbolt.pptx
@@ -4811,6 +4811,23 @@
               <a:t> számolás</a:t>
             </a:r>
           </a:p>
+          <a:p>
+            <a:r>
+              <a:rPr lang="hu-HU" dirty="0">
+                <a:latin typeface="Minecraft" panose="00000500000000000000" pitchFamily="50" charset="0"/>
+              </a:rPr>
+              <a:t>Int </a:t>
+            </a:r>
+            <a:r>
+              <a:rPr lang="hu-HU" dirty="0" err="1">
+                <a:latin typeface="Minecraft" panose="00000500000000000000" pitchFamily="50" charset="0"/>
+              </a:rPr>
+              <a:t>ellenorzes</a:t>
+            </a:r>
+            <a:endParaRPr lang="hu-HU" dirty="0">
+              <a:latin typeface="Minecraft" panose="00000500000000000000" pitchFamily="50" charset="0"/>
+            </a:endParaRPr>
+          </a:p>
         </p:txBody>
       </p:sp>
       <p:sp>
@@ -5142,7 +5159,7 @@
         </p:nvSpPr>
         <p:spPr bwMode="auto">
           <a:xfrm rot="5400000">
-            <a:off x="1443967" y="3072632"/>
+            <a:off x="1440354" y="3083360"/>
             <a:ext cx="90016" cy="25200"/>
           </a:xfrm>
           <a:prstGeom prst="rect">
@@ -5629,6 +5646,195 @@
           </a:prstGeom>
         </p:spPr>
       </p:pic>
+      <p:sp>
+        <p:nvSpPr>
+          <p:cNvPr id="33" name="Téglalap 32">
+            <a:extLst>
+              <a:ext uri="{FF2B5EF4-FFF2-40B4-BE49-F238E27FC236}">
+                <a16:creationId xmlns:a16="http://schemas.microsoft.com/office/drawing/2014/main" id="{1063B594-E4AA-4C7B-AF62-47276B883F90}"/>
+              </a:ext>
+            </a:extLst>
+          </p:cNvPr>
+          <p:cNvSpPr/>
+          <p:nvPr/>
+        </p:nvSpPr>
+        <p:spPr bwMode="auto">
+          <a:xfrm rot="5400000">
+            <a:off x="2955416" y="6197712"/>
+            <a:ext cx="90016" cy="25200"/>
+          </a:xfrm>
+          <a:prstGeom prst="rect">
+            <a:avLst/>
+          </a:prstGeom>
+          <a:solidFill>
+            <a:schemeClr val="tx1"/>
+          </a:solidFill>
+          <a:ln w="9525" cap="flat" cmpd="sng" algn="ctr">
+            <a:solidFill>
+              <a:schemeClr val="tx1"/>
+            </a:solidFill>
+            <a:prstDash val="solid"/>
+            <a:round/>
+            <a:headEnd type="none" w="med" len="med"/>
+            <a:tailEnd type="none" w="med" len="med"/>
+          </a:ln>
+          <a:effectLst/>
+          <a:extLst/>
+        </p:spPr>
+        <p:txBody>
+          <a:bodyPr vert="horz" wrap="square" lIns="91440" tIns="45720" rIns="91440" bIns="45720" numCol="1" rtlCol="0" anchor="t" anchorCtr="0" compatLnSpc="1">
+            <a:prstTxWarp prst="textNoShape">
+              <a:avLst/>
+            </a:prstTxWarp>
+          </a:bodyPr>
+          <a:lstStyle/>
+          <a:p>
+            <a:pPr marL="0" marR="0" indent="0" algn="l" defTabSz="914400" rtl="0" eaLnBrk="1" fontAlgn="base" latinLnBrk="0" hangingPunct="1">
+              <a:lnSpc>
+                <a:spcPct val="100000"/>
+              </a:lnSpc>
+              <a:spcBef>
+                <a:spcPct val="0"/>
+              </a:spcBef>
+              <a:spcAft>
+                <a:spcPct val="0"/>
+              </a:spcAft>
+              <a:buClrTx/>
+              <a:buSzTx/>
+              <a:buFontTx/>
+              <a:buNone/>
+              <a:tabLst/>
+            </a:pPr>
+            <a:endParaRPr lang="hu-HU" dirty="0"/>
+          </a:p>
+        </p:txBody>
+      </p:sp>
+      <p:sp>
+        <p:nvSpPr>
+          <p:cNvPr id="34" name="Téglalap 33">
+            <a:extLst>
+              <a:ext uri="{FF2B5EF4-FFF2-40B4-BE49-F238E27FC236}">
+                <a16:creationId xmlns:a16="http://schemas.microsoft.com/office/drawing/2014/main" id="{29BC05CA-6C5E-4109-ADBF-2D0038998881}"/>
+              </a:ext>
+            </a:extLst>
+          </p:cNvPr>
+          <p:cNvSpPr/>
+          <p:nvPr/>
+        </p:nvSpPr>
+        <p:spPr bwMode="auto">
+          <a:xfrm rot="5400000">
+            <a:off x="2898690" y="6197712"/>
+            <a:ext cx="90016" cy="25200"/>
+          </a:xfrm>
+          <a:prstGeom prst="rect">
+            <a:avLst/>
+          </a:prstGeom>
+          <a:solidFill>
+            <a:schemeClr val="tx1"/>
+          </a:solidFill>
+          <a:ln w="9525" cap="flat" cmpd="sng" algn="ctr">
+            <a:solidFill>
+              <a:schemeClr val="tx1"/>
+            </a:solidFill>
+            <a:prstDash val="solid"/>
+            <a:round/>
+            <a:headEnd type="none" w="med" len="med"/>
+            <a:tailEnd type="none" w="med" len="med"/>
+          </a:ln>
+          <a:effectLst/>
+          <a:extLst/>
+        </p:spPr>
+        <p:txBody>
+          <a:bodyPr vert="horz" wrap="square" lIns="91440" tIns="45720" rIns="91440" bIns="45720" numCol="1" rtlCol="0" anchor="t" anchorCtr="0" compatLnSpc="1">
+            <a:prstTxWarp prst="textNoShape">
+              <a:avLst/>
+            </a:prstTxWarp>
+          </a:bodyPr>
+          <a:lstStyle/>
+          <a:p>
+            <a:pPr marL="0" marR="0" indent="0" algn="l" defTabSz="914400" rtl="0" eaLnBrk="1" fontAlgn="base" latinLnBrk="0" hangingPunct="1">
+              <a:lnSpc>
+                <a:spcPct val="100000"/>
+              </a:lnSpc>
+              <a:spcBef>
+                <a:spcPct val="0"/>
+              </a:spcBef>
+              <a:spcAft>
+                <a:spcPct val="0"/>
+              </a:spcAft>
+              <a:buClrTx/>
+              <a:buSzTx/>
+              <a:buFontTx/>
+              <a:buNone/>
+              <a:tabLst/>
+            </a:pPr>
+            <a:endParaRPr lang="hu-HU" dirty="0"/>
+          </a:p>
+        </p:txBody>
+      </p:sp>
+      <p:sp>
+        <p:nvSpPr>
+          <p:cNvPr id="36" name="Téglalap 35">
+            <a:extLst>
+              <a:ext uri="{FF2B5EF4-FFF2-40B4-BE49-F238E27FC236}">
+                <a16:creationId xmlns:a16="http://schemas.microsoft.com/office/drawing/2014/main" id="{6DECD933-4590-4677-82F7-93BBC3729B30}"/>
+              </a:ext>
+            </a:extLst>
+          </p:cNvPr>
+          <p:cNvSpPr/>
+          <p:nvPr/>
+        </p:nvSpPr>
+        <p:spPr bwMode="auto">
+          <a:xfrm rot="11087571">
+            <a:off x="3597992" y="6259036"/>
+            <a:ext cx="90016" cy="25200"/>
+          </a:xfrm>
+          <a:prstGeom prst="rect">
+            <a:avLst/>
+          </a:prstGeom>
+          <a:solidFill>
+            <a:schemeClr val="tx1"/>
+          </a:solidFill>
+          <a:ln w="9525" cap="flat" cmpd="sng" algn="ctr">
+            <a:solidFill>
+              <a:schemeClr val="tx1"/>
+            </a:solidFill>
+            <a:prstDash val="solid"/>
+            <a:round/>
+            <a:headEnd type="none" w="med" len="med"/>
+            <a:tailEnd type="none" w="med" len="med"/>
+          </a:ln>
+          <a:effectLst/>
+          <a:extLst/>
+        </p:spPr>
+        <p:txBody>
+          <a:bodyPr vert="horz" wrap="square" lIns="91440" tIns="45720" rIns="91440" bIns="45720" numCol="1" rtlCol="0" anchor="t" anchorCtr="0" compatLnSpc="1">
+            <a:prstTxWarp prst="textNoShape">
+              <a:avLst/>
+            </a:prstTxWarp>
+          </a:bodyPr>
+          <a:lstStyle/>
+          <a:p>
+            <a:pPr marL="0" marR="0" indent="0" algn="l" defTabSz="914400" rtl="0" eaLnBrk="1" fontAlgn="base" latinLnBrk="0" hangingPunct="1">
+              <a:lnSpc>
+                <a:spcPct val="100000"/>
+              </a:lnSpc>
+              <a:spcBef>
+                <a:spcPct val="0"/>
+              </a:spcBef>
+              <a:spcAft>
+                <a:spcPct val="0"/>
+              </a:spcAft>
+              <a:buClrTx/>
+              <a:buSzTx/>
+              <a:buFontTx/>
+              <a:buNone/>
+              <a:tabLst/>
+            </a:pPr>
+            <a:endParaRPr lang="hu-HU" dirty="0"/>
+          </a:p>
+        </p:txBody>
+      </p:sp>
     </p:spTree>
     <p:extLst>
       <p:ext uri="{BB962C8B-B14F-4D97-AF65-F5344CB8AC3E}">
@@ -7436,21 +7642,43 @@
                                   </p:childTnLst>
                                 </p:cTn>
                               </p:par>
+                            </p:childTnLst>
+                          </p:cTn>
+                        </p:par>
+                      </p:childTnLst>
+                    </p:cTn>
+                  </p:par>
+                  <p:par>
+                    <p:cTn id="113" fill="hold">
+                      <p:stCondLst>
+                        <p:cond delay="indefinite"/>
+                      </p:stCondLst>
+                      <p:childTnLst>
+                        <p:par>
+                          <p:cTn id="114" fill="hold">
+                            <p:stCondLst>
+                              <p:cond delay="0"/>
+                            </p:stCondLst>
+                            <p:childTnLst>
                               <p:par>
-                                <p:cTn id="113" presetID="42" presetClass="entr" presetSubtype="0" fill="hold" grpId="0" nodeType="withEffect">
+                                <p:cTn id="115" presetID="42" presetClass="entr" presetSubtype="0" fill="hold" nodeType="clickEffect">
                                   <p:stCondLst>
                                     <p:cond delay="0"/>
                                   </p:stCondLst>
                                   <p:childTnLst>
                                     <p:set>
                                       <p:cBhvr>
-                                        <p:cTn id="114" dur="1" fill="hold">
+                                        <p:cTn id="116" dur="1" fill="hold">
                                           <p:stCondLst>
                                             <p:cond delay="0"/>
                                           </p:stCondLst>
                                         </p:cTn>
                                         <p:tgtEl>
-                                          <p:spTgt spid="7"/>
+                                          <p:spTgt spid="3">
+                                            <p:txEl>
+                                              <p:pRg st="7" end="7"/>
+                                            </p:txEl>
+                                          </p:spTgt>
                                         </p:tgtEl>
                                         <p:attrNameLst>
                                           <p:attrName>style.visibility</p:attrName>
@@ -7462,17 +7690,25 @@
                                     </p:set>
                                     <p:animEffect transition="in" filter="fade">
                                       <p:cBhvr>
-                                        <p:cTn id="115" dur="1000"/>
-                                        <p:tgtEl>
-                                          <p:spTgt spid="7"/>
+                                        <p:cTn id="117" dur="1000"/>
+                                        <p:tgtEl>
+                                          <p:spTgt spid="3">
+                                            <p:txEl>
+                                              <p:pRg st="7" end="7"/>
+                                            </p:txEl>
+                                          </p:spTgt>
                                         </p:tgtEl>
                                       </p:cBhvr>
                                     </p:animEffect>
                                     <p:anim calcmode="lin" valueType="num">
                                       <p:cBhvr>
-                                        <p:cTn id="116" dur="1000" fill="hold"/>
-                                        <p:tgtEl>
-                                          <p:spTgt spid="7"/>
+                                        <p:cTn id="118" dur="1000" fill="hold"/>
+                                        <p:tgtEl>
+                                          <p:spTgt spid="3">
+                                            <p:txEl>
+                                              <p:pRg st="7" end="7"/>
+                                            </p:txEl>
+                                          </p:spTgt>
                                         </p:tgtEl>
                                         <p:attrNameLst>
                                           <p:attrName>ppt_x</p:attrName>
@@ -7493,9 +7729,337 @@
                                     </p:anim>
                                     <p:anim calcmode="lin" valueType="num">
                                       <p:cBhvr>
-                                        <p:cTn id="117" dur="1000" fill="hold"/>
+                                        <p:cTn id="119" dur="1000" fill="hold"/>
+                                        <p:tgtEl>
+                                          <p:spTgt spid="3">
+                                            <p:txEl>
+                                              <p:pRg st="7" end="7"/>
+                                            </p:txEl>
+                                          </p:spTgt>
+                                        </p:tgtEl>
+                                        <p:attrNameLst>
+                                          <p:attrName>ppt_y</p:attrName>
+                                        </p:attrNameLst>
+                                      </p:cBhvr>
+                                      <p:tavLst>
+                                        <p:tav tm="0">
+                                          <p:val>
+                                            <p:strVal val="#ppt_y+.1"/>
+                                          </p:val>
+                                        </p:tav>
+                                        <p:tav tm="100000">
+                                          <p:val>
+                                            <p:strVal val="#ppt_y"/>
+                                          </p:val>
+                                        </p:tav>
+                                      </p:tavLst>
+                                    </p:anim>
+                                  </p:childTnLst>
+                                </p:cTn>
+                              </p:par>
+                              <p:par>
+                                <p:cTn id="120" presetID="42" presetClass="entr" presetSubtype="0" fill="hold" grpId="0" nodeType="withEffect">
+                                  <p:stCondLst>
+                                    <p:cond delay="0"/>
+                                  </p:stCondLst>
+                                  <p:childTnLst>
+                                    <p:set>
+                                      <p:cBhvr>
+                                        <p:cTn id="121" dur="1" fill="hold">
+                                          <p:stCondLst>
+                                            <p:cond delay="0"/>
+                                          </p:stCondLst>
+                                        </p:cTn>
                                         <p:tgtEl>
                                           <p:spTgt spid="7"/>
+                                        </p:tgtEl>
+                                        <p:attrNameLst>
+                                          <p:attrName>style.visibility</p:attrName>
+                                        </p:attrNameLst>
+                                      </p:cBhvr>
+                                      <p:to>
+                                        <p:strVal val="visible"/>
+                                      </p:to>
+                                    </p:set>
+                                    <p:animEffect transition="in" filter="fade">
+                                      <p:cBhvr>
+                                        <p:cTn id="122" dur="1000"/>
+                                        <p:tgtEl>
+                                          <p:spTgt spid="7"/>
+                                        </p:tgtEl>
+                                      </p:cBhvr>
+                                    </p:animEffect>
+                                    <p:anim calcmode="lin" valueType="num">
+                                      <p:cBhvr>
+                                        <p:cTn id="123" dur="1000" fill="hold"/>
+                                        <p:tgtEl>
+                                          <p:spTgt spid="7"/>
+                                        </p:tgtEl>
+                                        <p:attrNameLst>
+                                          <p:attrName>ppt_x</p:attrName>
+                                        </p:attrNameLst>
+                                      </p:cBhvr>
+                                      <p:tavLst>
+                                        <p:tav tm="0">
+                                          <p:val>
+                                            <p:strVal val="#ppt_x"/>
+                                          </p:val>
+                                        </p:tav>
+                                        <p:tav tm="100000">
+                                          <p:val>
+                                            <p:strVal val="#ppt_x"/>
+                                          </p:val>
+                                        </p:tav>
+                                      </p:tavLst>
+                                    </p:anim>
+                                    <p:anim calcmode="lin" valueType="num">
+                                      <p:cBhvr>
+                                        <p:cTn id="124" dur="1000" fill="hold"/>
+                                        <p:tgtEl>
+                                          <p:spTgt spid="7"/>
+                                        </p:tgtEl>
+                                        <p:attrNameLst>
+                                          <p:attrName>ppt_y</p:attrName>
+                                        </p:attrNameLst>
+                                      </p:cBhvr>
+                                      <p:tavLst>
+                                        <p:tav tm="0">
+                                          <p:val>
+                                            <p:strVal val="#ppt_y+.1"/>
+                                          </p:val>
+                                        </p:tav>
+                                        <p:tav tm="100000">
+                                          <p:val>
+                                            <p:strVal val="#ppt_y"/>
+                                          </p:val>
+                                        </p:tav>
+                                      </p:tavLst>
+                                    </p:anim>
+                                  </p:childTnLst>
+                                </p:cTn>
+                              </p:par>
+                              <p:par>
+                                <p:cTn id="125" presetID="42" presetClass="entr" presetSubtype="0" fill="hold" grpId="0" nodeType="withEffect">
+                                  <p:stCondLst>
+                                    <p:cond delay="0"/>
+                                  </p:stCondLst>
+                                  <p:childTnLst>
+                                    <p:set>
+                                      <p:cBhvr>
+                                        <p:cTn id="126" dur="1" fill="hold">
+                                          <p:stCondLst>
+                                            <p:cond delay="0"/>
+                                          </p:stCondLst>
+                                        </p:cTn>
+                                        <p:tgtEl>
+                                          <p:spTgt spid="33"/>
+                                        </p:tgtEl>
+                                        <p:attrNameLst>
+                                          <p:attrName>style.visibility</p:attrName>
+                                        </p:attrNameLst>
+                                      </p:cBhvr>
+                                      <p:to>
+                                        <p:strVal val="visible"/>
+                                      </p:to>
+                                    </p:set>
+                                    <p:animEffect transition="in" filter="fade">
+                                      <p:cBhvr>
+                                        <p:cTn id="127" dur="1000"/>
+                                        <p:tgtEl>
+                                          <p:spTgt spid="33"/>
+                                        </p:tgtEl>
+                                      </p:cBhvr>
+                                    </p:animEffect>
+                                    <p:anim calcmode="lin" valueType="num">
+                                      <p:cBhvr>
+                                        <p:cTn id="128" dur="1000" fill="hold"/>
+                                        <p:tgtEl>
+                                          <p:spTgt spid="33"/>
+                                        </p:tgtEl>
+                                        <p:attrNameLst>
+                                          <p:attrName>ppt_x</p:attrName>
+                                        </p:attrNameLst>
+                                      </p:cBhvr>
+                                      <p:tavLst>
+                                        <p:tav tm="0">
+                                          <p:val>
+                                            <p:strVal val="#ppt_x"/>
+                                          </p:val>
+                                        </p:tav>
+                                        <p:tav tm="100000">
+                                          <p:val>
+                                            <p:strVal val="#ppt_x"/>
+                                          </p:val>
+                                        </p:tav>
+                                      </p:tavLst>
+                                    </p:anim>
+                                    <p:anim calcmode="lin" valueType="num">
+                                      <p:cBhvr>
+                                        <p:cTn id="129" dur="1000" fill="hold"/>
+                                        <p:tgtEl>
+                                          <p:spTgt spid="33"/>
+                                        </p:tgtEl>
+                                        <p:attrNameLst>
+                                          <p:attrName>ppt_y</p:attrName>
+                                        </p:attrNameLst>
+                                      </p:cBhvr>
+                                      <p:tavLst>
+                                        <p:tav tm="0">
+                                          <p:val>
+                                            <p:strVal val="#ppt_y+.1"/>
+                                          </p:val>
+                                        </p:tav>
+                                        <p:tav tm="100000">
+                                          <p:val>
+                                            <p:strVal val="#ppt_y"/>
+                                          </p:val>
+                                        </p:tav>
+                                      </p:tavLst>
+                                    </p:anim>
+                                  </p:childTnLst>
+                                </p:cTn>
+                              </p:par>
+                              <p:par>
+                                <p:cTn id="130" presetID="42" presetClass="entr" presetSubtype="0" fill="hold" grpId="0" nodeType="withEffect">
+                                  <p:stCondLst>
+                                    <p:cond delay="0"/>
+                                  </p:stCondLst>
+                                  <p:childTnLst>
+                                    <p:set>
+                                      <p:cBhvr>
+                                        <p:cTn id="131" dur="1" fill="hold">
+                                          <p:stCondLst>
+                                            <p:cond delay="0"/>
+                                          </p:stCondLst>
+                                        </p:cTn>
+                                        <p:tgtEl>
+                                          <p:spTgt spid="34"/>
+                                        </p:tgtEl>
+                                        <p:attrNameLst>
+                                          <p:attrName>style.visibility</p:attrName>
+                                        </p:attrNameLst>
+                                      </p:cBhvr>
+                                      <p:to>
+                                        <p:strVal val="visible"/>
+                                      </p:to>
+                                    </p:set>
+                                    <p:animEffect transition="in" filter="fade">
+                                      <p:cBhvr>
+                                        <p:cTn id="132" dur="1000"/>
+                                        <p:tgtEl>
+                                          <p:spTgt spid="34"/>
+                                        </p:tgtEl>
+                                      </p:cBhvr>
+                                    </p:animEffect>
+                                    <p:anim calcmode="lin" valueType="num">
+                                      <p:cBhvr>
+                                        <p:cTn id="133" dur="1000" fill="hold"/>
+                                        <p:tgtEl>
+                                          <p:spTgt spid="34"/>
+                                        </p:tgtEl>
+                                        <p:attrNameLst>
+                                          <p:attrName>ppt_x</p:attrName>
+                                        </p:attrNameLst>
+                                      </p:cBhvr>
+                                      <p:tavLst>
+                                        <p:tav tm="0">
+                                          <p:val>
+                                            <p:strVal val="#ppt_x"/>
+                                          </p:val>
+                                        </p:tav>
+                                        <p:tav tm="100000">
+                                          <p:val>
+                                            <p:strVal val="#ppt_x"/>
+                                          </p:val>
+                                        </p:tav>
+                                      </p:tavLst>
+                                    </p:anim>
+                                    <p:anim calcmode="lin" valueType="num">
+                                      <p:cBhvr>
+                                        <p:cTn id="134" dur="1000" fill="hold"/>
+                                        <p:tgtEl>
+                                          <p:spTgt spid="34"/>
+                                        </p:tgtEl>
+                                        <p:attrNameLst>
+                                          <p:attrName>ppt_y</p:attrName>
+                                        </p:attrNameLst>
+                                      </p:cBhvr>
+                                      <p:tavLst>
+                                        <p:tav tm="0">
+                                          <p:val>
+                                            <p:strVal val="#ppt_y+.1"/>
+                                          </p:val>
+                                        </p:tav>
+                                        <p:tav tm="100000">
+                                          <p:val>
+                                            <p:strVal val="#ppt_y"/>
+                                          </p:val>
+                                        </p:tav>
+                                      </p:tavLst>
+                                    </p:anim>
+                                  </p:childTnLst>
+                                </p:cTn>
+                              </p:par>
+                              <p:par>
+                                <p:cTn id="135" presetID="42" presetClass="entr" presetSubtype="0" fill="hold" grpId="0" nodeType="withEffect">
+                                  <p:stCondLst>
+                                    <p:cond delay="0"/>
+                                  </p:stCondLst>
+                                  <p:childTnLst>
+                                    <p:set>
+                                      <p:cBhvr>
+                                        <p:cTn id="136" dur="1" fill="hold">
+                                          <p:stCondLst>
+                                            <p:cond delay="0"/>
+                                          </p:stCondLst>
+                                        </p:cTn>
+                                        <p:tgtEl>
+                                          <p:spTgt spid="36"/>
+                                        </p:tgtEl>
+                                        <p:attrNameLst>
+                                          <p:attrName>style.visibility</p:attrName>
+                                        </p:attrNameLst>
+                                      </p:cBhvr>
+                                      <p:to>
+                                        <p:strVal val="visible"/>
+                                      </p:to>
+                                    </p:set>
+                                    <p:animEffect transition="in" filter="fade">
+                                      <p:cBhvr>
+                                        <p:cTn id="137" dur="1000"/>
+                                        <p:tgtEl>
+                                          <p:spTgt spid="36"/>
+                                        </p:tgtEl>
+                                      </p:cBhvr>
+                                    </p:animEffect>
+                                    <p:anim calcmode="lin" valueType="num">
+                                      <p:cBhvr>
+                                        <p:cTn id="138" dur="1000" fill="hold"/>
+                                        <p:tgtEl>
+                                          <p:spTgt spid="36"/>
+                                        </p:tgtEl>
+                                        <p:attrNameLst>
+                                          <p:attrName>ppt_x</p:attrName>
+                                        </p:attrNameLst>
+                                      </p:cBhvr>
+                                      <p:tavLst>
+                                        <p:tav tm="0">
+                                          <p:val>
+                                            <p:strVal val="#ppt_x"/>
+                                          </p:val>
+                                        </p:tav>
+                                        <p:tav tm="100000">
+                                          <p:val>
+                                            <p:strVal val="#ppt_x"/>
+                                          </p:val>
+                                        </p:tav>
+                                      </p:tavLst>
+                                    </p:anim>
+                                    <p:anim calcmode="lin" valueType="num">
+                                      <p:cBhvr>
+                                        <p:cTn id="139" dur="1000" fill="hold"/>
+                                        <p:tgtEl>
+                                          <p:spTgt spid="36"/>
                                         </p:tgtEl>
                                         <p:attrNameLst>
                                           <p:attrName>ppt_y</p:attrName>
@@ -7557,6 +8121,9 @@
       <p:bldP spid="23" grpId="0" animBg="1"/>
       <p:bldP spid="24" grpId="0" animBg="1"/>
       <p:bldP spid="25" grpId="0" animBg="1"/>
+      <p:bldP spid="33" grpId="0" animBg="1"/>
+      <p:bldP spid="34" grpId="0" animBg="1"/>
+      <p:bldP spid="36" grpId="0" animBg="1"/>
     </p:bldLst>
   </p:timing>
 </p:sld>
